--- a/Documents/Presentation.pptx
+++ b/Documents/Presentation.pptx
@@ -6,12 +6,15 @@
   </p:sldMasterIdLst>
   <p:sldIdLst>
     <p:sldId id="256" r:id="rId2"/>
-    <p:sldId id="257" r:id="rId3"/>
-    <p:sldId id="258" r:id="rId4"/>
-    <p:sldId id="259" r:id="rId5"/>
-    <p:sldId id="260" r:id="rId6"/>
-    <p:sldId id="261" r:id="rId7"/>
-    <p:sldId id="262" r:id="rId8"/>
+    <p:sldId id="263" r:id="rId3"/>
+    <p:sldId id="257" r:id="rId4"/>
+    <p:sldId id="264" r:id="rId5"/>
+    <p:sldId id="265" r:id="rId6"/>
+    <p:sldId id="258" r:id="rId7"/>
+    <p:sldId id="259" r:id="rId8"/>
+    <p:sldId id="260" r:id="rId9"/>
+    <p:sldId id="261" r:id="rId10"/>
+    <p:sldId id="262" r:id="rId11"/>
   </p:sldIdLst>
   <p:sldSz cx="12192000" cy="6858000"/>
   <p:notesSz cx="6858000" cy="9144000"/>
@@ -110,6 +113,11 @@
       </a:defRPr>
     </a:lvl9pPr>
   </p:defaultTextStyle>
+  <p:extLst>
+    <p:ext uri="{EFAFB233-063F-42B5-8137-9DF3F51BA10A}">
+      <p15:sldGuideLst xmlns:p15="http://schemas.microsoft.com/office/powerpoint/2012/main"/>
+    </p:ext>
+  </p:extLst>
 </p:presentation>
 </file>
 
@@ -260,7 +268,7 @@
           <a:p>
             <a:fld id="{546F50B6-7186-46B7-9A3A-D1973F40F53C}" type="datetimeFigureOut">
               <a:rPr lang="en-US" smtClean="0"/>
-              <a:t>1/11/2020</a:t>
+              <a:t>1/18/2020</a:t>
             </a:fld>
             <a:endParaRPr lang="en-US"/>
           </a:p>
@@ -458,7 +466,7 @@
           <a:p>
             <a:fld id="{546F50B6-7186-46B7-9A3A-D1973F40F53C}" type="datetimeFigureOut">
               <a:rPr lang="en-US" smtClean="0"/>
-              <a:t>1/11/2020</a:t>
+              <a:t>1/18/2020</a:t>
             </a:fld>
             <a:endParaRPr lang="en-US"/>
           </a:p>
@@ -666,7 +674,7 @@
           <a:p>
             <a:fld id="{546F50B6-7186-46B7-9A3A-D1973F40F53C}" type="datetimeFigureOut">
               <a:rPr lang="en-US" smtClean="0"/>
-              <a:t>1/11/2020</a:t>
+              <a:t>1/18/2020</a:t>
             </a:fld>
             <a:endParaRPr lang="en-US"/>
           </a:p>
@@ -864,7 +872,7 @@
           <a:p>
             <a:fld id="{546F50B6-7186-46B7-9A3A-D1973F40F53C}" type="datetimeFigureOut">
               <a:rPr lang="en-US" smtClean="0"/>
-              <a:t>1/11/2020</a:t>
+              <a:t>1/18/2020</a:t>
             </a:fld>
             <a:endParaRPr lang="en-US"/>
           </a:p>
@@ -1139,7 +1147,7 @@
           <a:p>
             <a:fld id="{546F50B6-7186-46B7-9A3A-D1973F40F53C}" type="datetimeFigureOut">
               <a:rPr lang="en-US" smtClean="0"/>
-              <a:t>1/11/2020</a:t>
+              <a:t>1/18/2020</a:t>
             </a:fld>
             <a:endParaRPr lang="en-US"/>
           </a:p>
@@ -1404,7 +1412,7 @@
           <a:p>
             <a:fld id="{546F50B6-7186-46B7-9A3A-D1973F40F53C}" type="datetimeFigureOut">
               <a:rPr lang="en-US" smtClean="0"/>
-              <a:t>1/11/2020</a:t>
+              <a:t>1/18/2020</a:t>
             </a:fld>
             <a:endParaRPr lang="en-US"/>
           </a:p>
@@ -1816,7 +1824,7 @@
           <a:p>
             <a:fld id="{546F50B6-7186-46B7-9A3A-D1973F40F53C}" type="datetimeFigureOut">
               <a:rPr lang="en-US" smtClean="0"/>
-              <a:t>1/11/2020</a:t>
+              <a:t>1/18/2020</a:t>
             </a:fld>
             <a:endParaRPr lang="en-US"/>
           </a:p>
@@ -1957,7 +1965,7 @@
           <a:p>
             <a:fld id="{546F50B6-7186-46B7-9A3A-D1973F40F53C}" type="datetimeFigureOut">
               <a:rPr lang="en-US" smtClean="0"/>
-              <a:t>1/11/2020</a:t>
+              <a:t>1/18/2020</a:t>
             </a:fld>
             <a:endParaRPr lang="en-US"/>
           </a:p>
@@ -2070,7 +2078,7 @@
           <a:p>
             <a:fld id="{546F50B6-7186-46B7-9A3A-D1973F40F53C}" type="datetimeFigureOut">
               <a:rPr lang="en-US" smtClean="0"/>
-              <a:t>1/11/2020</a:t>
+              <a:t>1/18/2020</a:t>
             </a:fld>
             <a:endParaRPr lang="en-US"/>
           </a:p>
@@ -2381,7 +2389,7 @@
           <a:p>
             <a:fld id="{546F50B6-7186-46B7-9A3A-D1973F40F53C}" type="datetimeFigureOut">
               <a:rPr lang="en-US" smtClean="0"/>
-              <a:t>1/11/2020</a:t>
+              <a:t>1/18/2020</a:t>
             </a:fld>
             <a:endParaRPr lang="en-US"/>
           </a:p>
@@ -2669,7 +2677,7 @@
           <a:p>
             <a:fld id="{546F50B6-7186-46B7-9A3A-D1973F40F53C}" type="datetimeFigureOut">
               <a:rPr lang="en-US" smtClean="0"/>
-              <a:t>1/11/2020</a:t>
+              <a:t>1/18/2020</a:t>
             </a:fld>
             <a:endParaRPr lang="en-US"/>
           </a:p>
@@ -2910,7 +2918,7 @@
           <a:p>
             <a:fld id="{546F50B6-7186-46B7-9A3A-D1973F40F53C}" type="datetimeFigureOut">
               <a:rPr lang="en-US" smtClean="0"/>
-              <a:t>1/11/2020</a:t>
+              <a:t>1/18/2020</a:t>
             </a:fld>
             <a:endParaRPr lang="en-US"/>
           </a:p>
@@ -3419,6 +3427,70 @@
 </p:sld>
 </file>
 
+<file path=ppt/slides/slide10.xml><?xml version="1.0" encoding="utf-8"?>
+<p:sld xmlns:a="http://schemas.openxmlformats.org/drawingml/2006/main" xmlns:r="http://schemas.openxmlformats.org/officeDocument/2006/relationships" xmlns:p="http://schemas.openxmlformats.org/presentationml/2006/main">
+  <p:cSld>
+    <p:spTree>
+      <p:nvGrpSpPr>
+        <p:cNvPr id="1" name=""/>
+        <p:cNvGrpSpPr/>
+        <p:nvPr/>
+      </p:nvGrpSpPr>
+      <p:grpSpPr>
+        <a:xfrm>
+          <a:off x="0" y="0"/>
+          <a:ext cx="0" cy="0"/>
+          <a:chOff x="0" y="0"/>
+          <a:chExt cx="0" cy="0"/>
+        </a:xfrm>
+      </p:grpSpPr>
+      <p:sp>
+        <p:nvSpPr>
+          <p:cNvPr id="2" name="Title 1">
+            <a:extLst>
+              <a:ext uri="{FF2B5EF4-FFF2-40B4-BE49-F238E27FC236}">
+                <a16:creationId xmlns:a16="http://schemas.microsoft.com/office/drawing/2014/main" id="{7E477A64-8382-4987-839D-01B8EF44D427}"/>
+              </a:ext>
+            </a:extLst>
+          </p:cNvPr>
+          <p:cNvSpPr>
+            <a:spLocks noGrp="1"/>
+          </p:cNvSpPr>
+          <p:nvPr>
+            <p:ph type="title"/>
+          </p:nvPr>
+        </p:nvSpPr>
+        <p:spPr>
+          <a:xfrm>
+            <a:off x="838200" y="365125"/>
+            <a:ext cx="10515600" cy="5780494"/>
+          </a:xfrm>
+        </p:spPr>
+        <p:txBody>
+          <a:bodyPr/>
+          <a:lstStyle/>
+          <a:p>
+            <a:pPr algn="ctr"/>
+            <a:r>
+              <a:rPr lang="en-US" dirty="0"/>
+              <a:t>Questions?</a:t>
+            </a:r>
+          </a:p>
+        </p:txBody>
+      </p:sp>
+    </p:spTree>
+    <p:extLst>
+      <p:ext uri="{BB962C8B-B14F-4D97-AF65-F5344CB8AC3E}">
+        <p14:creationId xmlns:p14="http://schemas.microsoft.com/office/powerpoint/2010/main" val="578294905"/>
+      </p:ext>
+    </p:extLst>
+  </p:cSld>
+  <p:clrMapOvr>
+    <a:masterClrMapping/>
+  </p:clrMapOvr>
+</p:sld>
+</file>
+
 <file path=ppt/slides/slide2.xml><?xml version="1.0" encoding="utf-8"?>
 <p:sld xmlns:a="http://schemas.openxmlformats.org/drawingml/2006/main" xmlns:r="http://schemas.openxmlformats.org/officeDocument/2006/relationships" xmlns:p="http://schemas.openxmlformats.org/presentationml/2006/main">
   <p:cSld>
@@ -3441,7 +3513,7 @@
           <p:cNvPr id="2" name="Title 1">
             <a:extLst>
               <a:ext uri="{FF2B5EF4-FFF2-40B4-BE49-F238E27FC236}">
-                <a16:creationId xmlns:a16="http://schemas.microsoft.com/office/drawing/2014/main" id="{07DC8762-2165-4AE8-A88B-24BAC9978BA1}"/>
+                <a16:creationId xmlns:a16="http://schemas.microsoft.com/office/drawing/2014/main" id="{AA097516-E0AC-4546-98B5-7EA4D2768216}"/>
               </a:ext>
             </a:extLst>
           </p:cNvPr>
@@ -3459,7 +3531,7 @@
           <a:p>
             <a:r>
               <a:rPr lang="en-US" dirty="0"/>
-              <a:t>Historical context/significance</a:t>
+              <a:t>Steganography 	  vs    Cryptography</a:t>
             </a:r>
           </a:p>
         </p:txBody>
@@ -3469,7 +3541,7 @@
           <p:cNvPr id="3" name="Content Placeholder 2">
             <a:extLst>
               <a:ext uri="{FF2B5EF4-FFF2-40B4-BE49-F238E27FC236}">
-                <a16:creationId xmlns:a16="http://schemas.microsoft.com/office/drawing/2014/main" id="{0E319BFA-01DD-44ED-A179-A80BB89DEF6D}"/>
+                <a16:creationId xmlns:a16="http://schemas.microsoft.com/office/drawing/2014/main" id="{6E845317-5A5A-4E6F-AC5E-181F775D1ED9}"/>
               </a:ext>
             </a:extLst>
           </p:cNvPr>
@@ -3480,19 +3552,261 @@
             <p:ph idx="1"/>
           </p:nvPr>
         </p:nvSpPr>
-        <p:spPr/>
-        <p:txBody>
-          <a:bodyPr/>
-          <a:lstStyle/>
-          <a:p>
-            <a:endParaRPr lang="en-US"/>
+        <p:spPr>
+          <a:xfrm>
+            <a:off x="838200" y="1825625"/>
+            <a:ext cx="4564310" cy="4351338"/>
+          </a:xfrm>
+        </p:spPr>
+        <p:txBody>
+          <a:bodyPr/>
+          <a:lstStyle/>
+          <a:p>
+            <a:r>
+              <a:rPr lang="en-US" dirty="0" err="1"/>
+              <a:t>Steganos</a:t>
+            </a:r>
+            <a:r>
+              <a:rPr lang="en-US" dirty="0"/>
+              <a:t> – covered/secret</a:t>
+            </a:r>
+          </a:p>
+          <a:p>
+            <a:r>
+              <a:rPr lang="en-US" dirty="0"/>
+              <a:t>Locational key</a:t>
+            </a:r>
+          </a:p>
+          <a:p>
+            <a:r>
+              <a:rPr lang="en-US" dirty="0"/>
+              <a:t>Invisible ink</a:t>
+            </a:r>
+          </a:p>
+          <a:p>
+            <a:endParaRPr lang="en-US" dirty="0"/>
+          </a:p>
+        </p:txBody>
+      </p:sp>
+      <p:sp>
+        <p:nvSpPr>
+          <p:cNvPr id="4" name="Content Placeholder 2">
+            <a:extLst>
+              <a:ext uri="{FF2B5EF4-FFF2-40B4-BE49-F238E27FC236}">
+                <a16:creationId xmlns:a16="http://schemas.microsoft.com/office/drawing/2014/main" id="{0748916D-CC73-4D3C-BEB2-8D8DB5C2B0AE}"/>
+              </a:ext>
+            </a:extLst>
+          </p:cNvPr>
+          <p:cNvSpPr txBox="1">
+            <a:spLocks/>
+          </p:cNvSpPr>
+          <p:nvPr/>
+        </p:nvSpPr>
+        <p:spPr>
+          <a:xfrm>
+            <a:off x="5805881" y="1825625"/>
+            <a:ext cx="5084428" cy="4351338"/>
+          </a:xfrm>
+          <a:prstGeom prst="rect">
+            <a:avLst/>
+          </a:prstGeom>
+        </p:spPr>
+        <p:txBody>
+          <a:bodyPr vert="horz" lIns="91440" tIns="45720" rIns="91440" bIns="45720" rtlCol="0">
+            <a:normAutofit/>
+          </a:bodyPr>
+          <a:lstStyle>
+            <a:lvl1pPr marL="228600" indent="-228600" algn="l" defTabSz="914400" rtl="0" eaLnBrk="1" latinLnBrk="0" hangingPunct="1">
+              <a:lnSpc>
+                <a:spcPct val="90000"/>
+              </a:lnSpc>
+              <a:spcBef>
+                <a:spcPts val="1000"/>
+              </a:spcBef>
+              <a:buFont typeface="Arial" panose="020B0604020202020204" pitchFamily="34" charset="0"/>
+              <a:buChar char="•"/>
+              <a:defRPr sz="2800" kern="1200">
+                <a:solidFill>
+                  <a:schemeClr val="tx1"/>
+                </a:solidFill>
+                <a:latin typeface="+mn-lt"/>
+                <a:ea typeface="+mn-ea"/>
+                <a:cs typeface="+mn-cs"/>
+              </a:defRPr>
+            </a:lvl1pPr>
+            <a:lvl2pPr marL="685800" indent="-228600" algn="l" defTabSz="914400" rtl="0" eaLnBrk="1" latinLnBrk="0" hangingPunct="1">
+              <a:lnSpc>
+                <a:spcPct val="90000"/>
+              </a:lnSpc>
+              <a:spcBef>
+                <a:spcPts val="500"/>
+              </a:spcBef>
+              <a:buFont typeface="Arial" panose="020B0604020202020204" pitchFamily="34" charset="0"/>
+              <a:buChar char="•"/>
+              <a:defRPr sz="2400" kern="1200">
+                <a:solidFill>
+                  <a:schemeClr val="tx1"/>
+                </a:solidFill>
+                <a:latin typeface="+mn-lt"/>
+                <a:ea typeface="+mn-ea"/>
+                <a:cs typeface="+mn-cs"/>
+              </a:defRPr>
+            </a:lvl2pPr>
+            <a:lvl3pPr marL="1143000" indent="-228600" algn="l" defTabSz="914400" rtl="0" eaLnBrk="1" latinLnBrk="0" hangingPunct="1">
+              <a:lnSpc>
+                <a:spcPct val="90000"/>
+              </a:lnSpc>
+              <a:spcBef>
+                <a:spcPts val="500"/>
+              </a:spcBef>
+              <a:buFont typeface="Arial" panose="020B0604020202020204" pitchFamily="34" charset="0"/>
+              <a:buChar char="•"/>
+              <a:defRPr sz="2000" kern="1200">
+                <a:solidFill>
+                  <a:schemeClr val="tx1"/>
+                </a:solidFill>
+                <a:latin typeface="+mn-lt"/>
+                <a:ea typeface="+mn-ea"/>
+                <a:cs typeface="+mn-cs"/>
+              </a:defRPr>
+            </a:lvl3pPr>
+            <a:lvl4pPr marL="1600200" indent="-228600" algn="l" defTabSz="914400" rtl="0" eaLnBrk="1" latinLnBrk="0" hangingPunct="1">
+              <a:lnSpc>
+                <a:spcPct val="90000"/>
+              </a:lnSpc>
+              <a:spcBef>
+                <a:spcPts val="500"/>
+              </a:spcBef>
+              <a:buFont typeface="Arial" panose="020B0604020202020204" pitchFamily="34" charset="0"/>
+              <a:buChar char="•"/>
+              <a:defRPr sz="1800" kern="1200">
+                <a:solidFill>
+                  <a:schemeClr val="tx1"/>
+                </a:solidFill>
+                <a:latin typeface="+mn-lt"/>
+                <a:ea typeface="+mn-ea"/>
+                <a:cs typeface="+mn-cs"/>
+              </a:defRPr>
+            </a:lvl4pPr>
+            <a:lvl5pPr marL="2057400" indent="-228600" algn="l" defTabSz="914400" rtl="0" eaLnBrk="1" latinLnBrk="0" hangingPunct="1">
+              <a:lnSpc>
+                <a:spcPct val="90000"/>
+              </a:lnSpc>
+              <a:spcBef>
+                <a:spcPts val="500"/>
+              </a:spcBef>
+              <a:buFont typeface="Arial" panose="020B0604020202020204" pitchFamily="34" charset="0"/>
+              <a:buChar char="•"/>
+              <a:defRPr sz="1800" kern="1200">
+                <a:solidFill>
+                  <a:schemeClr val="tx1"/>
+                </a:solidFill>
+                <a:latin typeface="+mn-lt"/>
+                <a:ea typeface="+mn-ea"/>
+                <a:cs typeface="+mn-cs"/>
+              </a:defRPr>
+            </a:lvl5pPr>
+            <a:lvl6pPr marL="2514600" indent="-228600" algn="l" defTabSz="914400" rtl="0" eaLnBrk="1" latinLnBrk="0" hangingPunct="1">
+              <a:lnSpc>
+                <a:spcPct val="90000"/>
+              </a:lnSpc>
+              <a:spcBef>
+                <a:spcPts val="500"/>
+              </a:spcBef>
+              <a:buFont typeface="Arial" panose="020B0604020202020204" pitchFamily="34" charset="0"/>
+              <a:buChar char="•"/>
+              <a:defRPr sz="1800" kern="1200">
+                <a:solidFill>
+                  <a:schemeClr val="tx1"/>
+                </a:solidFill>
+                <a:latin typeface="+mn-lt"/>
+                <a:ea typeface="+mn-ea"/>
+                <a:cs typeface="+mn-cs"/>
+              </a:defRPr>
+            </a:lvl6pPr>
+            <a:lvl7pPr marL="2971800" indent="-228600" algn="l" defTabSz="914400" rtl="0" eaLnBrk="1" latinLnBrk="0" hangingPunct="1">
+              <a:lnSpc>
+                <a:spcPct val="90000"/>
+              </a:lnSpc>
+              <a:spcBef>
+                <a:spcPts val="500"/>
+              </a:spcBef>
+              <a:buFont typeface="Arial" panose="020B0604020202020204" pitchFamily="34" charset="0"/>
+              <a:buChar char="•"/>
+              <a:defRPr sz="1800" kern="1200">
+                <a:solidFill>
+                  <a:schemeClr val="tx1"/>
+                </a:solidFill>
+                <a:latin typeface="+mn-lt"/>
+                <a:ea typeface="+mn-ea"/>
+                <a:cs typeface="+mn-cs"/>
+              </a:defRPr>
+            </a:lvl7pPr>
+            <a:lvl8pPr marL="3429000" indent="-228600" algn="l" defTabSz="914400" rtl="0" eaLnBrk="1" latinLnBrk="0" hangingPunct="1">
+              <a:lnSpc>
+                <a:spcPct val="90000"/>
+              </a:lnSpc>
+              <a:spcBef>
+                <a:spcPts val="500"/>
+              </a:spcBef>
+              <a:buFont typeface="Arial" panose="020B0604020202020204" pitchFamily="34" charset="0"/>
+              <a:buChar char="•"/>
+              <a:defRPr sz="1800" kern="1200">
+                <a:solidFill>
+                  <a:schemeClr val="tx1"/>
+                </a:solidFill>
+                <a:latin typeface="+mn-lt"/>
+                <a:ea typeface="+mn-ea"/>
+                <a:cs typeface="+mn-cs"/>
+              </a:defRPr>
+            </a:lvl8pPr>
+            <a:lvl9pPr marL="3886200" indent="-228600" algn="l" defTabSz="914400" rtl="0" eaLnBrk="1" latinLnBrk="0" hangingPunct="1">
+              <a:lnSpc>
+                <a:spcPct val="90000"/>
+              </a:lnSpc>
+              <a:spcBef>
+                <a:spcPts val="500"/>
+              </a:spcBef>
+              <a:buFont typeface="Arial" panose="020B0604020202020204" pitchFamily="34" charset="0"/>
+              <a:buChar char="•"/>
+              <a:defRPr sz="1800" kern="1200">
+                <a:solidFill>
+                  <a:schemeClr val="tx1"/>
+                </a:solidFill>
+                <a:latin typeface="+mn-lt"/>
+                <a:ea typeface="+mn-ea"/>
+                <a:cs typeface="+mn-cs"/>
+              </a:defRPr>
+            </a:lvl9pPr>
+          </a:lstStyle>
+          <a:p>
+            <a:r>
+              <a:rPr lang="en-US" dirty="0" err="1"/>
+              <a:t>Krytpos</a:t>
+            </a:r>
+            <a:r>
+              <a:rPr lang="en-US" dirty="0"/>
+              <a:t> – secret/hidden</a:t>
+            </a:r>
+          </a:p>
+          <a:p>
+            <a:r>
+              <a:rPr lang="en-US" dirty="0"/>
+              <a:t>Mathematical key</a:t>
+            </a:r>
+          </a:p>
+          <a:p>
+            <a:r>
+              <a:rPr lang="en-US" dirty="0"/>
+              <a:t>German’s Enigma Machine</a:t>
+            </a:r>
           </a:p>
         </p:txBody>
       </p:sp>
     </p:spTree>
     <p:extLst>
       <p:ext uri="{BB962C8B-B14F-4D97-AF65-F5344CB8AC3E}">
-        <p14:creationId xmlns:p14="http://schemas.microsoft.com/office/powerpoint/2010/main" val="2532448696"/>
+        <p14:creationId xmlns:p14="http://schemas.microsoft.com/office/powerpoint/2010/main" val="2810223244"/>
       </p:ext>
     </p:extLst>
   </p:cSld>
@@ -3524,7 +3838,7 @@
           <p:cNvPr id="2" name="Title 1">
             <a:extLst>
               <a:ext uri="{FF2B5EF4-FFF2-40B4-BE49-F238E27FC236}">
-                <a16:creationId xmlns:a16="http://schemas.microsoft.com/office/drawing/2014/main" id="{5BB14DAE-F668-4B03-80C5-1509C374856B}"/>
+                <a16:creationId xmlns:a16="http://schemas.microsoft.com/office/drawing/2014/main" id="{07DC8762-2165-4AE8-A88B-24BAC9978BA1}"/>
               </a:ext>
             </a:extLst>
           </p:cNvPr>
@@ -3542,7 +3856,7 @@
           <a:p>
             <a:r>
               <a:rPr lang="en-US" dirty="0"/>
-              <a:t>Terms/notation</a:t>
+              <a:t>Historical context</a:t>
             </a:r>
           </a:p>
         </p:txBody>
@@ -3552,7 +3866,7 @@
           <p:cNvPr id="3" name="Content Placeholder 2">
             <a:extLst>
               <a:ext uri="{FF2B5EF4-FFF2-40B4-BE49-F238E27FC236}">
-                <a16:creationId xmlns:a16="http://schemas.microsoft.com/office/drawing/2014/main" id="{229D3A98-7654-4CCC-90C7-6B8984A8162D}"/>
+                <a16:creationId xmlns:a16="http://schemas.microsoft.com/office/drawing/2014/main" id="{0E319BFA-01DD-44ED-A179-A80BB89DEF6D}"/>
               </a:ext>
             </a:extLst>
           </p:cNvPr>
@@ -3568,14 +3882,20 @@
           <a:bodyPr/>
           <a:lstStyle/>
           <a:p>
-            <a:endParaRPr lang="en-US"/>
+            <a:r>
+              <a:rPr lang="en-US" dirty="0"/>
+              <a:t>440 BC – Greeks tattooed onto shaved head</a:t>
+            </a:r>
+          </a:p>
+          <a:p>
+            <a:endParaRPr lang="en-US" dirty="0"/>
           </a:p>
         </p:txBody>
       </p:sp>
     </p:spTree>
     <p:extLst>
       <p:ext uri="{BB962C8B-B14F-4D97-AF65-F5344CB8AC3E}">
-        <p14:creationId xmlns:p14="http://schemas.microsoft.com/office/powerpoint/2010/main" val="611404031"/>
+        <p14:creationId xmlns:p14="http://schemas.microsoft.com/office/powerpoint/2010/main" val="2532448696"/>
       </p:ext>
     </p:extLst>
   </p:cSld>
@@ -3607,7 +3927,7 @@
           <p:cNvPr id="2" name="Title 1">
             <a:extLst>
               <a:ext uri="{FF2B5EF4-FFF2-40B4-BE49-F238E27FC236}">
-                <a16:creationId xmlns:a16="http://schemas.microsoft.com/office/drawing/2014/main" id="{188C3C5B-0284-4A9F-95C1-2DB7BD15C05D}"/>
+                <a16:creationId xmlns:a16="http://schemas.microsoft.com/office/drawing/2014/main" id="{CF637781-0E97-4D45-98C4-31C143256FE5}"/>
               </a:ext>
             </a:extLst>
           </p:cNvPr>
@@ -3625,7 +3945,7 @@
           <a:p>
             <a:r>
               <a:rPr lang="en-US" dirty="0"/>
-              <a:t>Mathematical ideas</a:t>
+              <a:t>Steganography Intro Activity</a:t>
             </a:r>
           </a:p>
         </p:txBody>
@@ -3635,7 +3955,7 @@
           <p:cNvPr id="3" name="Content Placeholder 2">
             <a:extLst>
               <a:ext uri="{FF2B5EF4-FFF2-40B4-BE49-F238E27FC236}">
-                <a16:creationId xmlns:a16="http://schemas.microsoft.com/office/drawing/2014/main" id="{AC4D4EF4-3E7F-4133-B3D7-374DD688A391}"/>
+                <a16:creationId xmlns:a16="http://schemas.microsoft.com/office/drawing/2014/main" id="{0506957E-5005-43D9-BDC9-B97EA84C7135}"/>
               </a:ext>
             </a:extLst>
           </p:cNvPr>
@@ -3658,7 +3978,7 @@
     </p:spTree>
     <p:extLst>
       <p:ext uri="{BB962C8B-B14F-4D97-AF65-F5344CB8AC3E}">
-        <p14:creationId xmlns:p14="http://schemas.microsoft.com/office/powerpoint/2010/main" val="1264975641"/>
+        <p14:creationId xmlns:p14="http://schemas.microsoft.com/office/powerpoint/2010/main" val="2976138339"/>
       </p:ext>
     </p:extLst>
   </p:cSld>
@@ -3690,7 +4010,7 @@
           <p:cNvPr id="2" name="Title 1">
             <a:extLst>
               <a:ext uri="{FF2B5EF4-FFF2-40B4-BE49-F238E27FC236}">
-                <a16:creationId xmlns:a16="http://schemas.microsoft.com/office/drawing/2014/main" id="{063C45F0-89D2-4657-882E-DA7CD6F40220}"/>
+                <a16:creationId xmlns:a16="http://schemas.microsoft.com/office/drawing/2014/main" id="{BC2536C3-DBEE-4795-A635-166182FA7698}"/>
               </a:ext>
             </a:extLst>
           </p:cNvPr>
@@ -3708,7 +4028,7 @@
           <a:p>
             <a:r>
               <a:rPr lang="en-US" dirty="0"/>
-              <a:t>Example</a:t>
+              <a:t>Significance</a:t>
             </a:r>
           </a:p>
         </p:txBody>
@@ -3718,7 +4038,7 @@
           <p:cNvPr id="3" name="Content Placeholder 2">
             <a:extLst>
               <a:ext uri="{FF2B5EF4-FFF2-40B4-BE49-F238E27FC236}">
-                <a16:creationId xmlns:a16="http://schemas.microsoft.com/office/drawing/2014/main" id="{F3CC7D4D-D2EA-49FC-B388-A48428929A30}"/>
+                <a16:creationId xmlns:a16="http://schemas.microsoft.com/office/drawing/2014/main" id="{83A8A7B3-AFE4-44E2-B09E-1A2536BF750C}"/>
               </a:ext>
             </a:extLst>
           </p:cNvPr>
@@ -3734,14 +4054,20 @@
           <a:bodyPr/>
           <a:lstStyle/>
           <a:p>
-            <a:endParaRPr lang="en-US"/>
+            <a:r>
+              <a:rPr lang="en-US" dirty="0"/>
+              <a:t>Hypothetical app that takes pictures w/ cloud service, could encrypt credit card/other personal data, and steals data</a:t>
+            </a:r>
+          </a:p>
+          <a:p>
+            <a:endParaRPr lang="en-US" dirty="0"/>
           </a:p>
         </p:txBody>
       </p:sp>
     </p:spTree>
     <p:extLst>
       <p:ext uri="{BB962C8B-B14F-4D97-AF65-F5344CB8AC3E}">
-        <p14:creationId xmlns:p14="http://schemas.microsoft.com/office/powerpoint/2010/main" val="2438280253"/>
+        <p14:creationId xmlns:p14="http://schemas.microsoft.com/office/powerpoint/2010/main" val="618854077"/>
       </p:ext>
     </p:extLst>
   </p:cSld>
@@ -3773,7 +4099,7 @@
           <p:cNvPr id="2" name="Title 1">
             <a:extLst>
               <a:ext uri="{FF2B5EF4-FFF2-40B4-BE49-F238E27FC236}">
-                <a16:creationId xmlns:a16="http://schemas.microsoft.com/office/drawing/2014/main" id="{D8D4BA70-8AD6-49C4-8FEC-58E4A47A1C8D}"/>
+                <a16:creationId xmlns:a16="http://schemas.microsoft.com/office/drawing/2014/main" id="{5BB14DAE-F668-4B03-80C5-1509C374856B}"/>
               </a:ext>
             </a:extLst>
           </p:cNvPr>
@@ -3791,7 +4117,7 @@
           <a:p>
             <a:r>
               <a:rPr lang="en-US" dirty="0"/>
-              <a:t>Activity</a:t>
+              <a:t>Terms/notation</a:t>
             </a:r>
           </a:p>
         </p:txBody>
@@ -3801,7 +4127,7 @@
           <p:cNvPr id="3" name="Content Placeholder 2">
             <a:extLst>
               <a:ext uri="{FF2B5EF4-FFF2-40B4-BE49-F238E27FC236}">
-                <a16:creationId xmlns:a16="http://schemas.microsoft.com/office/drawing/2014/main" id="{1825719B-AD83-4EB5-82A9-7EDE47E6637E}"/>
+                <a16:creationId xmlns:a16="http://schemas.microsoft.com/office/drawing/2014/main" id="{229D3A98-7654-4CCC-90C7-6B8984A8162D}"/>
               </a:ext>
             </a:extLst>
           </p:cNvPr>
@@ -3817,14 +4143,36 @@
           <a:bodyPr/>
           <a:lstStyle/>
           <a:p>
-            <a:endParaRPr lang="en-US"/>
+            <a:r>
+              <a:rPr lang="en-US" dirty="0" err="1"/>
+              <a:t>Steganograms</a:t>
+            </a:r>
+            <a:r>
+              <a:rPr lang="en-US" dirty="0"/>
+              <a:t> – steganographic messages </a:t>
+            </a:r>
+          </a:p>
+          <a:p>
+            <a:r>
+              <a:rPr lang="en-US" dirty="0" err="1"/>
+              <a:t>Steganalysis</a:t>
+            </a:r>
+            <a:r>
+              <a:rPr lang="en-US" dirty="0"/>
+              <a:t> – searching for </a:t>
+            </a:r>
+            <a:r>
+              <a:rPr lang="en-US" dirty="0" err="1"/>
+              <a:t>steganograms</a:t>
+            </a:r>
+            <a:endParaRPr lang="en-US" dirty="0"/>
           </a:p>
         </p:txBody>
       </p:sp>
     </p:spTree>
     <p:extLst>
       <p:ext uri="{BB962C8B-B14F-4D97-AF65-F5344CB8AC3E}">
-        <p14:creationId xmlns:p14="http://schemas.microsoft.com/office/powerpoint/2010/main" val="1270555795"/>
+        <p14:creationId xmlns:p14="http://schemas.microsoft.com/office/powerpoint/2010/main" val="611404031"/>
       </p:ext>
     </p:extLst>
   </p:cSld>
@@ -3856,7 +4204,7 @@
           <p:cNvPr id="2" name="Title 1">
             <a:extLst>
               <a:ext uri="{FF2B5EF4-FFF2-40B4-BE49-F238E27FC236}">
-                <a16:creationId xmlns:a16="http://schemas.microsoft.com/office/drawing/2014/main" id="{7E477A64-8382-4987-839D-01B8EF44D427}"/>
+                <a16:creationId xmlns:a16="http://schemas.microsoft.com/office/drawing/2014/main" id="{188C3C5B-0284-4A9F-95C1-2DB7BD15C05D}"/>
               </a:ext>
             </a:extLst>
           </p:cNvPr>
@@ -3867,28 +4215,213 @@
             <p:ph type="title"/>
           </p:nvPr>
         </p:nvSpPr>
-        <p:spPr>
-          <a:xfrm>
-            <a:off x="838200" y="365125"/>
-            <a:ext cx="10515600" cy="5780494"/>
-          </a:xfrm>
-        </p:spPr>
-        <p:txBody>
-          <a:bodyPr/>
-          <a:lstStyle/>
-          <a:p>
-            <a:pPr algn="ctr"/>
+        <p:spPr/>
+        <p:txBody>
+          <a:bodyPr/>
+          <a:lstStyle/>
+          <a:p>
             <a:r>
               <a:rPr lang="en-US" dirty="0"/>
-              <a:t>Questions?</a:t>
-            </a:r>
+              <a:t>Mathematical ideas</a:t>
+            </a:r>
+          </a:p>
+        </p:txBody>
+      </p:sp>
+      <p:sp>
+        <p:nvSpPr>
+          <p:cNvPr id="3" name="Content Placeholder 2">
+            <a:extLst>
+              <a:ext uri="{FF2B5EF4-FFF2-40B4-BE49-F238E27FC236}">
+                <a16:creationId xmlns:a16="http://schemas.microsoft.com/office/drawing/2014/main" id="{AC4D4EF4-3E7F-4133-B3D7-374DD688A391}"/>
+              </a:ext>
+            </a:extLst>
+          </p:cNvPr>
+          <p:cNvSpPr>
+            <a:spLocks noGrp="1"/>
+          </p:cNvSpPr>
+          <p:nvPr>
+            <p:ph idx="1"/>
+          </p:nvPr>
+        </p:nvSpPr>
+        <p:spPr/>
+        <p:txBody>
+          <a:bodyPr/>
+          <a:lstStyle/>
+          <a:p>
+            <a:endParaRPr lang="en-US"/>
           </a:p>
         </p:txBody>
       </p:sp>
     </p:spTree>
     <p:extLst>
       <p:ext uri="{BB962C8B-B14F-4D97-AF65-F5344CB8AC3E}">
-        <p14:creationId xmlns:p14="http://schemas.microsoft.com/office/powerpoint/2010/main" val="578294905"/>
+        <p14:creationId xmlns:p14="http://schemas.microsoft.com/office/powerpoint/2010/main" val="1264975641"/>
+      </p:ext>
+    </p:extLst>
+  </p:cSld>
+  <p:clrMapOvr>
+    <a:masterClrMapping/>
+  </p:clrMapOvr>
+</p:sld>
+</file>
+
+<file path=ppt/slides/slide8.xml><?xml version="1.0" encoding="utf-8"?>
+<p:sld xmlns:a="http://schemas.openxmlformats.org/drawingml/2006/main" xmlns:r="http://schemas.openxmlformats.org/officeDocument/2006/relationships" xmlns:p="http://schemas.openxmlformats.org/presentationml/2006/main">
+  <p:cSld>
+    <p:spTree>
+      <p:nvGrpSpPr>
+        <p:cNvPr id="1" name=""/>
+        <p:cNvGrpSpPr/>
+        <p:nvPr/>
+      </p:nvGrpSpPr>
+      <p:grpSpPr>
+        <a:xfrm>
+          <a:off x="0" y="0"/>
+          <a:ext cx="0" cy="0"/>
+          <a:chOff x="0" y="0"/>
+          <a:chExt cx="0" cy="0"/>
+        </a:xfrm>
+      </p:grpSpPr>
+      <p:sp>
+        <p:nvSpPr>
+          <p:cNvPr id="2" name="Title 1">
+            <a:extLst>
+              <a:ext uri="{FF2B5EF4-FFF2-40B4-BE49-F238E27FC236}">
+                <a16:creationId xmlns:a16="http://schemas.microsoft.com/office/drawing/2014/main" id="{063C45F0-89D2-4657-882E-DA7CD6F40220}"/>
+              </a:ext>
+            </a:extLst>
+          </p:cNvPr>
+          <p:cNvSpPr>
+            <a:spLocks noGrp="1"/>
+          </p:cNvSpPr>
+          <p:nvPr>
+            <p:ph type="title"/>
+          </p:nvPr>
+        </p:nvSpPr>
+        <p:spPr/>
+        <p:txBody>
+          <a:bodyPr/>
+          <a:lstStyle/>
+          <a:p>
+            <a:r>
+              <a:rPr lang="en-US" dirty="0"/>
+              <a:t>Example</a:t>
+            </a:r>
+          </a:p>
+        </p:txBody>
+      </p:sp>
+      <p:sp>
+        <p:nvSpPr>
+          <p:cNvPr id="3" name="Content Placeholder 2">
+            <a:extLst>
+              <a:ext uri="{FF2B5EF4-FFF2-40B4-BE49-F238E27FC236}">
+                <a16:creationId xmlns:a16="http://schemas.microsoft.com/office/drawing/2014/main" id="{F3CC7D4D-D2EA-49FC-B388-A48428929A30}"/>
+              </a:ext>
+            </a:extLst>
+          </p:cNvPr>
+          <p:cNvSpPr>
+            <a:spLocks noGrp="1"/>
+          </p:cNvSpPr>
+          <p:nvPr>
+            <p:ph idx="1"/>
+          </p:nvPr>
+        </p:nvSpPr>
+        <p:spPr/>
+        <p:txBody>
+          <a:bodyPr/>
+          <a:lstStyle/>
+          <a:p>
+            <a:endParaRPr lang="en-US"/>
+          </a:p>
+        </p:txBody>
+      </p:sp>
+    </p:spTree>
+    <p:extLst>
+      <p:ext uri="{BB962C8B-B14F-4D97-AF65-F5344CB8AC3E}">
+        <p14:creationId xmlns:p14="http://schemas.microsoft.com/office/powerpoint/2010/main" val="2438280253"/>
+      </p:ext>
+    </p:extLst>
+  </p:cSld>
+  <p:clrMapOvr>
+    <a:masterClrMapping/>
+  </p:clrMapOvr>
+</p:sld>
+</file>
+
+<file path=ppt/slides/slide9.xml><?xml version="1.0" encoding="utf-8"?>
+<p:sld xmlns:a="http://schemas.openxmlformats.org/drawingml/2006/main" xmlns:r="http://schemas.openxmlformats.org/officeDocument/2006/relationships" xmlns:p="http://schemas.openxmlformats.org/presentationml/2006/main">
+  <p:cSld>
+    <p:spTree>
+      <p:nvGrpSpPr>
+        <p:cNvPr id="1" name=""/>
+        <p:cNvGrpSpPr/>
+        <p:nvPr/>
+      </p:nvGrpSpPr>
+      <p:grpSpPr>
+        <a:xfrm>
+          <a:off x="0" y="0"/>
+          <a:ext cx="0" cy="0"/>
+          <a:chOff x="0" y="0"/>
+          <a:chExt cx="0" cy="0"/>
+        </a:xfrm>
+      </p:grpSpPr>
+      <p:sp>
+        <p:nvSpPr>
+          <p:cNvPr id="2" name="Title 1">
+            <a:extLst>
+              <a:ext uri="{FF2B5EF4-FFF2-40B4-BE49-F238E27FC236}">
+                <a16:creationId xmlns:a16="http://schemas.microsoft.com/office/drawing/2014/main" id="{D8D4BA70-8AD6-49C4-8FEC-58E4A47A1C8D}"/>
+              </a:ext>
+            </a:extLst>
+          </p:cNvPr>
+          <p:cNvSpPr>
+            <a:spLocks noGrp="1"/>
+          </p:cNvSpPr>
+          <p:nvPr>
+            <p:ph type="title"/>
+          </p:nvPr>
+        </p:nvSpPr>
+        <p:spPr/>
+        <p:txBody>
+          <a:bodyPr/>
+          <a:lstStyle/>
+          <a:p>
+            <a:r>
+              <a:rPr lang="en-US" dirty="0"/>
+              <a:t>Activity</a:t>
+            </a:r>
+          </a:p>
+        </p:txBody>
+      </p:sp>
+      <p:sp>
+        <p:nvSpPr>
+          <p:cNvPr id="3" name="Content Placeholder 2">
+            <a:extLst>
+              <a:ext uri="{FF2B5EF4-FFF2-40B4-BE49-F238E27FC236}">
+                <a16:creationId xmlns:a16="http://schemas.microsoft.com/office/drawing/2014/main" id="{1825719B-AD83-4EB5-82A9-7EDE47E6637E}"/>
+              </a:ext>
+            </a:extLst>
+          </p:cNvPr>
+          <p:cNvSpPr>
+            <a:spLocks noGrp="1"/>
+          </p:cNvSpPr>
+          <p:nvPr>
+            <p:ph idx="1"/>
+          </p:nvPr>
+        </p:nvSpPr>
+        <p:spPr/>
+        <p:txBody>
+          <a:bodyPr/>
+          <a:lstStyle/>
+          <a:p>
+            <a:endParaRPr lang="en-US"/>
+          </a:p>
+        </p:txBody>
+      </p:sp>
+    </p:spTree>
+    <p:extLst>
+      <p:ext uri="{BB962C8B-B14F-4D97-AF65-F5344CB8AC3E}">
+        <p14:creationId xmlns:p14="http://schemas.microsoft.com/office/powerpoint/2010/main" val="1270555795"/>
       </p:ext>
     </p:extLst>
   </p:cSld>

--- a/Documents/Presentation.pptx
+++ b/Documents/Presentation.pptx
@@ -268,7 +268,7 @@
           <a:p>
             <a:fld id="{546F50B6-7186-46B7-9A3A-D1973F40F53C}" type="datetimeFigureOut">
               <a:rPr lang="en-US" smtClean="0"/>
-              <a:t>1/18/2020</a:t>
+              <a:t>1/19/20</a:t>
             </a:fld>
             <a:endParaRPr lang="en-US"/>
           </a:p>
@@ -466,7 +466,7 @@
           <a:p>
             <a:fld id="{546F50B6-7186-46B7-9A3A-D1973F40F53C}" type="datetimeFigureOut">
               <a:rPr lang="en-US" smtClean="0"/>
-              <a:t>1/18/2020</a:t>
+              <a:t>1/19/20</a:t>
             </a:fld>
             <a:endParaRPr lang="en-US"/>
           </a:p>
@@ -674,7 +674,7 @@
           <a:p>
             <a:fld id="{546F50B6-7186-46B7-9A3A-D1973F40F53C}" type="datetimeFigureOut">
               <a:rPr lang="en-US" smtClean="0"/>
-              <a:t>1/18/2020</a:t>
+              <a:t>1/19/20</a:t>
             </a:fld>
             <a:endParaRPr lang="en-US"/>
           </a:p>
@@ -872,7 +872,7 @@
           <a:p>
             <a:fld id="{546F50B6-7186-46B7-9A3A-D1973F40F53C}" type="datetimeFigureOut">
               <a:rPr lang="en-US" smtClean="0"/>
-              <a:t>1/18/2020</a:t>
+              <a:t>1/19/20</a:t>
             </a:fld>
             <a:endParaRPr lang="en-US"/>
           </a:p>
@@ -1147,7 +1147,7 @@
           <a:p>
             <a:fld id="{546F50B6-7186-46B7-9A3A-D1973F40F53C}" type="datetimeFigureOut">
               <a:rPr lang="en-US" smtClean="0"/>
-              <a:t>1/18/2020</a:t>
+              <a:t>1/19/20</a:t>
             </a:fld>
             <a:endParaRPr lang="en-US"/>
           </a:p>
@@ -1412,7 +1412,7 @@
           <a:p>
             <a:fld id="{546F50B6-7186-46B7-9A3A-D1973F40F53C}" type="datetimeFigureOut">
               <a:rPr lang="en-US" smtClean="0"/>
-              <a:t>1/18/2020</a:t>
+              <a:t>1/19/20</a:t>
             </a:fld>
             <a:endParaRPr lang="en-US"/>
           </a:p>
@@ -1824,7 +1824,7 @@
           <a:p>
             <a:fld id="{546F50B6-7186-46B7-9A3A-D1973F40F53C}" type="datetimeFigureOut">
               <a:rPr lang="en-US" smtClean="0"/>
-              <a:t>1/18/2020</a:t>
+              <a:t>1/19/20</a:t>
             </a:fld>
             <a:endParaRPr lang="en-US"/>
           </a:p>
@@ -1965,7 +1965,7 @@
           <a:p>
             <a:fld id="{546F50B6-7186-46B7-9A3A-D1973F40F53C}" type="datetimeFigureOut">
               <a:rPr lang="en-US" smtClean="0"/>
-              <a:t>1/18/2020</a:t>
+              <a:t>1/19/20</a:t>
             </a:fld>
             <a:endParaRPr lang="en-US"/>
           </a:p>
@@ -2078,7 +2078,7 @@
           <a:p>
             <a:fld id="{546F50B6-7186-46B7-9A3A-D1973F40F53C}" type="datetimeFigureOut">
               <a:rPr lang="en-US" smtClean="0"/>
-              <a:t>1/18/2020</a:t>
+              <a:t>1/19/20</a:t>
             </a:fld>
             <a:endParaRPr lang="en-US"/>
           </a:p>
@@ -2389,7 +2389,7 @@
           <a:p>
             <a:fld id="{546F50B6-7186-46B7-9A3A-D1973F40F53C}" type="datetimeFigureOut">
               <a:rPr lang="en-US" smtClean="0"/>
-              <a:t>1/18/2020</a:t>
+              <a:t>1/19/20</a:t>
             </a:fld>
             <a:endParaRPr lang="en-US"/>
           </a:p>
@@ -2677,7 +2677,7 @@
           <a:p>
             <a:fld id="{546F50B6-7186-46B7-9A3A-D1973F40F53C}" type="datetimeFigureOut">
               <a:rPr lang="en-US" smtClean="0"/>
-              <a:t>1/18/2020</a:t>
+              <a:t>1/19/20</a:t>
             </a:fld>
             <a:endParaRPr lang="en-US"/>
           </a:p>
@@ -2918,7 +2918,7 @@
           <a:p>
             <a:fld id="{546F50B6-7186-46B7-9A3A-D1973F40F53C}" type="datetimeFigureOut">
               <a:rPr lang="en-US" smtClean="0"/>
-              <a:t>1/18/2020</a:t>
+              <a:t>1/19/20</a:t>
             </a:fld>
             <a:endParaRPr lang="en-US"/>
           </a:p>
@@ -3945,7 +3945,15 @@
           <a:p>
             <a:r>
               <a:rPr lang="en-US" dirty="0"/>
-              <a:t>Steganography Intro Activity</a:t>
+              <a:t>Steganography Intro Act</a:t>
+            </a:r>
+            <a:r>
+              <a:rPr lang="en-US" i="1" dirty="0"/>
+              <a:t>i</a:t>
+            </a:r>
+            <a:r>
+              <a:rPr lang="en-US" dirty="0"/>
+              <a:t>vity</a:t>
             </a:r>
           </a:p>
         </p:txBody>
@@ -3966,12 +3974,231 @@
             <p:ph idx="1"/>
           </p:nvPr>
         </p:nvSpPr>
-        <p:spPr/>
-        <p:txBody>
-          <a:bodyPr/>
-          <a:lstStyle/>
-          <a:p>
-            <a:endParaRPr lang="en-US"/>
+        <p:spPr>
+          <a:xfrm>
+            <a:off x="838200" y="1825625"/>
+            <a:ext cx="10515600" cy="2410044"/>
+          </a:xfrm>
+        </p:spPr>
+        <p:txBody>
+          <a:bodyPr>
+            <a:normAutofit/>
+          </a:bodyPr>
+          <a:lstStyle/>
+          <a:p>
+            <a:r>
+              <a:rPr lang="en-US" dirty="0"/>
+              <a:t>Steganography hides i</a:t>
+            </a:r>
+            <a:r>
+              <a:rPr lang="en-US" i="1" dirty="0"/>
+              <a:t>n</a:t>
+            </a:r>
+            <a:r>
+              <a:rPr lang="en-US" dirty="0"/>
+              <a:t>formation using a variety of metho</a:t>
+            </a:r>
+            <a:r>
+              <a:rPr lang="en-US" b="1" dirty="0"/>
+              <a:t>d</a:t>
+            </a:r>
+            <a:r>
+              <a:rPr lang="en-US" dirty="0"/>
+              <a:t>s. </a:t>
+            </a:r>
+            <a:r>
+              <a:rPr lang="en-US" dirty="0" err="1"/>
+              <a:t>UnlikE</a:t>
+            </a:r>
+            <a:r>
+              <a:rPr lang="en-US" dirty="0"/>
+              <a:t> </a:t>
+            </a:r>
+            <a:r>
+              <a:rPr lang="en-US" b="1" dirty="0"/>
+              <a:t>e</a:t>
+            </a:r>
+            <a:r>
+              <a:rPr lang="en-US" dirty="0"/>
+              <a:t>ncryption, who’s only </a:t>
+            </a:r>
+            <a:r>
+              <a:rPr lang="en-US" dirty="0" err="1"/>
+              <a:t>goAl</a:t>
+            </a:r>
+            <a:r>
+              <a:rPr lang="en-US" dirty="0"/>
+              <a:t> is to obscure da</a:t>
+            </a:r>
+            <a:r>
+              <a:rPr lang="en-US" b="1" dirty="0"/>
+              <a:t>t</a:t>
+            </a:r>
+            <a:r>
+              <a:rPr lang="en-US" dirty="0"/>
+              <a:t>a, hidden data is able to carry larg</a:t>
+            </a:r>
+            <a:r>
+              <a:rPr lang="en-US" b="1" dirty="0"/>
+              <a:t>e</a:t>
+            </a:r>
+            <a:r>
+              <a:rPr lang="en-US" dirty="0"/>
+              <a:t> </a:t>
+            </a:r>
+            <a:r>
+              <a:rPr lang="en-US" dirty="0" err="1"/>
+              <a:t>amountS</a:t>
+            </a:r>
+            <a:r>
+              <a:rPr lang="en-US" dirty="0"/>
+              <a:t> of in</a:t>
+            </a:r>
+            <a:r>
+              <a:rPr lang="en-US" i="1" dirty="0"/>
+              <a:t>f</a:t>
+            </a:r>
+            <a:r>
+              <a:rPr lang="en-US" dirty="0"/>
+              <a:t>ormation with</a:t>
+            </a:r>
+            <a:r>
+              <a:rPr lang="en-US" i="1" dirty="0"/>
+              <a:t>o</a:t>
+            </a:r>
+            <a:r>
+              <a:rPr lang="en-US" dirty="0"/>
+              <a:t>ut dete</a:t>
+            </a:r>
+            <a:r>
+              <a:rPr lang="en-US" b="1" dirty="0"/>
+              <a:t>c</a:t>
+            </a:r>
+            <a:r>
+              <a:rPr lang="en-US" dirty="0"/>
+              <a:t>tion. Methods fo</a:t>
+            </a:r>
+            <a:r>
+              <a:rPr lang="en-US" i="1" dirty="0"/>
+              <a:t>r</a:t>
+            </a:r>
+            <a:r>
+              <a:rPr lang="en-US" dirty="0"/>
+              <a:t> redirecting one’s at</a:t>
+            </a:r>
+            <a:r>
+              <a:rPr lang="en-US" b="1" dirty="0"/>
+              <a:t>t</a:t>
+            </a:r>
+            <a:r>
+              <a:rPr lang="en-US" dirty="0"/>
+              <a:t>ention can be used to further hide infor</a:t>
+            </a:r>
+            <a:r>
+              <a:rPr lang="en-US" i="1" dirty="0"/>
+              <a:t>m</a:t>
+            </a:r>
+            <a:r>
+              <a:rPr lang="en-US" dirty="0"/>
+              <a:t>ation. </a:t>
+            </a:r>
+            <a:r>
+              <a:rPr lang="en-US" dirty="0" err="1"/>
+              <a:t>E</a:t>
+            </a:r>
+            <a:r>
+              <a:rPr lang="en-US" i="1" dirty="0" err="1"/>
+              <a:t>a</a:t>
+            </a:r>
+            <a:r>
+              <a:rPr lang="en-US" dirty="0" err="1"/>
+              <a:t>rlY</a:t>
+            </a:r>
+            <a:r>
+              <a:rPr lang="en-US" dirty="0"/>
+              <a:t> uses include changing </a:t>
+            </a:r>
+            <a:r>
+              <a:rPr lang="en-US" i="1" dirty="0"/>
+              <a:t>t</a:t>
+            </a:r>
+            <a:r>
+              <a:rPr lang="en-US" dirty="0"/>
+              <a:t>ypefaces and fonts </a:t>
+            </a:r>
+            <a:r>
+              <a:rPr lang="en-US" i="1" dirty="0"/>
+              <a:t>i</a:t>
+            </a:r>
+            <a:r>
+              <a:rPr lang="en-US" dirty="0"/>
+              <a:t>n a bl</a:t>
+            </a:r>
+            <a:r>
+              <a:rPr lang="en-US" i="1" dirty="0"/>
+              <a:t>o</a:t>
+            </a:r>
+            <a:r>
+              <a:rPr lang="en-US" dirty="0"/>
+              <a:t>ck of text a</a:t>
+            </a:r>
+            <a:r>
+              <a:rPr lang="en-US" i="1" dirty="0"/>
+              <a:t>n</a:t>
+            </a:r>
+            <a:r>
+              <a:rPr lang="en-US" dirty="0"/>
+              <a:t>d tattooing a message onto the head of a slave. </a:t>
+            </a:r>
+          </a:p>
+          <a:p>
+            <a:endParaRPr lang="en-US" dirty="0"/>
+          </a:p>
+          <a:p>
+            <a:endParaRPr lang="en-US" dirty="0"/>
+          </a:p>
+        </p:txBody>
+      </p:sp>
+      <p:sp>
+        <p:nvSpPr>
+          <p:cNvPr id="4" name="TextBox 3">
+            <a:extLst>
+              <a:ext uri="{FF2B5EF4-FFF2-40B4-BE49-F238E27FC236}">
+                <a16:creationId xmlns:a16="http://schemas.microsoft.com/office/drawing/2014/main" id="{AE447091-7660-CA4E-9059-01EB6CB25840}"/>
+              </a:ext>
+            </a:extLst>
+          </p:cNvPr>
+          <p:cNvSpPr txBox="1"/>
+          <p:nvPr/>
+        </p:nvSpPr>
+        <p:spPr>
+          <a:xfrm>
+            <a:off x="838200" y="4372303"/>
+            <a:ext cx="10515600" cy="523220"/>
+          </a:xfrm>
+          <a:prstGeom prst="rect">
+            <a:avLst/>
+          </a:prstGeom>
+          <a:noFill/>
+        </p:spPr>
+        <p:txBody>
+          <a:bodyPr wrap="square" rtlCol="0">
+            <a:spAutoFit/>
+          </a:bodyPr>
+          <a:lstStyle/>
+          <a:p>
+            <a:pPr marL="285750" indent="-285750">
+              <a:buFont typeface="Arial" panose="020B0604020202020204" pitchFamily="34" charset="0"/>
+              <a:buChar char="•"/>
+            </a:pPr>
+            <a:r>
+              <a:rPr lang="en-US" sz="2800" dirty="0">
+                <a:solidFill>
+                  <a:schemeClr val="bg1"/>
+                </a:solidFill>
+              </a:rPr>
+              <a:t>Some messages are harder to find than others…</a:t>
+            </a:r>
           </a:p>
         </p:txBody>
       </p:sp>

--- a/Documents/Presentation.pptx
+++ b/Documents/Presentation.pptx
@@ -268,7 +268,7 @@
           <a:p>
             <a:fld id="{546F50B6-7186-46B7-9A3A-D1973F40F53C}" type="datetimeFigureOut">
               <a:rPr lang="en-US" smtClean="0"/>
-              <a:t>1/19/20</a:t>
+              <a:t>1/19/2020</a:t>
             </a:fld>
             <a:endParaRPr lang="en-US"/>
           </a:p>
@@ -466,7 +466,7 @@
           <a:p>
             <a:fld id="{546F50B6-7186-46B7-9A3A-D1973F40F53C}" type="datetimeFigureOut">
               <a:rPr lang="en-US" smtClean="0"/>
-              <a:t>1/19/20</a:t>
+              <a:t>1/19/2020</a:t>
             </a:fld>
             <a:endParaRPr lang="en-US"/>
           </a:p>
@@ -674,7 +674,7 @@
           <a:p>
             <a:fld id="{546F50B6-7186-46B7-9A3A-D1973F40F53C}" type="datetimeFigureOut">
               <a:rPr lang="en-US" smtClean="0"/>
-              <a:t>1/19/20</a:t>
+              <a:t>1/19/2020</a:t>
             </a:fld>
             <a:endParaRPr lang="en-US"/>
           </a:p>
@@ -872,7 +872,7 @@
           <a:p>
             <a:fld id="{546F50B6-7186-46B7-9A3A-D1973F40F53C}" type="datetimeFigureOut">
               <a:rPr lang="en-US" smtClean="0"/>
-              <a:t>1/19/20</a:t>
+              <a:t>1/19/2020</a:t>
             </a:fld>
             <a:endParaRPr lang="en-US"/>
           </a:p>
@@ -1147,7 +1147,7 @@
           <a:p>
             <a:fld id="{546F50B6-7186-46B7-9A3A-D1973F40F53C}" type="datetimeFigureOut">
               <a:rPr lang="en-US" smtClean="0"/>
-              <a:t>1/19/20</a:t>
+              <a:t>1/19/2020</a:t>
             </a:fld>
             <a:endParaRPr lang="en-US"/>
           </a:p>
@@ -1412,7 +1412,7 @@
           <a:p>
             <a:fld id="{546F50B6-7186-46B7-9A3A-D1973F40F53C}" type="datetimeFigureOut">
               <a:rPr lang="en-US" smtClean="0"/>
-              <a:t>1/19/20</a:t>
+              <a:t>1/19/2020</a:t>
             </a:fld>
             <a:endParaRPr lang="en-US"/>
           </a:p>
@@ -1824,7 +1824,7 @@
           <a:p>
             <a:fld id="{546F50B6-7186-46B7-9A3A-D1973F40F53C}" type="datetimeFigureOut">
               <a:rPr lang="en-US" smtClean="0"/>
-              <a:t>1/19/20</a:t>
+              <a:t>1/19/2020</a:t>
             </a:fld>
             <a:endParaRPr lang="en-US"/>
           </a:p>
@@ -1965,7 +1965,7 @@
           <a:p>
             <a:fld id="{546F50B6-7186-46B7-9A3A-D1973F40F53C}" type="datetimeFigureOut">
               <a:rPr lang="en-US" smtClean="0"/>
-              <a:t>1/19/20</a:t>
+              <a:t>1/19/2020</a:t>
             </a:fld>
             <a:endParaRPr lang="en-US"/>
           </a:p>
@@ -2078,7 +2078,7 @@
           <a:p>
             <a:fld id="{546F50B6-7186-46B7-9A3A-D1973F40F53C}" type="datetimeFigureOut">
               <a:rPr lang="en-US" smtClean="0"/>
-              <a:t>1/19/20</a:t>
+              <a:t>1/19/2020</a:t>
             </a:fld>
             <a:endParaRPr lang="en-US"/>
           </a:p>
@@ -2389,7 +2389,7 @@
           <a:p>
             <a:fld id="{546F50B6-7186-46B7-9A3A-D1973F40F53C}" type="datetimeFigureOut">
               <a:rPr lang="en-US" smtClean="0"/>
-              <a:t>1/19/20</a:t>
+              <a:t>1/19/2020</a:t>
             </a:fld>
             <a:endParaRPr lang="en-US"/>
           </a:p>
@@ -2677,7 +2677,7 @@
           <a:p>
             <a:fld id="{546F50B6-7186-46B7-9A3A-D1973F40F53C}" type="datetimeFigureOut">
               <a:rPr lang="en-US" smtClean="0"/>
-              <a:t>1/19/20</a:t>
+              <a:t>1/19/2020</a:t>
             </a:fld>
             <a:endParaRPr lang="en-US"/>
           </a:p>
@@ -2918,7 +2918,7 @@
           <a:p>
             <a:fld id="{546F50B6-7186-46B7-9A3A-D1973F40F53C}" type="datetimeFigureOut">
               <a:rPr lang="en-US" smtClean="0"/>
-              <a:t>1/19/20</a:t>
+              <a:t>1/19/2020</a:t>
             </a:fld>
             <a:endParaRPr lang="en-US"/>
           </a:p>
@@ -3877,21 +3877,150 @@
             <p:ph idx="1"/>
           </p:nvPr>
         </p:nvSpPr>
-        <p:spPr/>
-        <p:txBody>
-          <a:bodyPr/>
-          <a:lstStyle/>
-          <a:p>
-            <a:r>
-              <a:rPr lang="en-US" dirty="0"/>
+        <p:spPr>
+          <a:xfrm>
+            <a:off x="408992" y="1825624"/>
+            <a:ext cx="10515600" cy="4351338"/>
+          </a:xfrm>
+        </p:spPr>
+        <p:txBody>
+          <a:bodyPr/>
+          <a:lstStyle/>
+          <a:p>
+            <a:r>
+              <a:rPr lang="en-US" sz="2400" dirty="0"/>
               <a:t>440 BC – Greeks tattooed onto shaved head</a:t>
             </a:r>
           </a:p>
           <a:p>
+            <a:r>
+              <a:rPr lang="en-US" sz="2400" dirty="0"/>
+              <a:t>480 BC – Spartans wax tablets</a:t>
+            </a:r>
+          </a:p>
+          <a:p>
+            <a:r>
+              <a:rPr lang="en-US" sz="2400" dirty="0"/>
+              <a:t>1776 – Revolutionary war invisible ink  </a:t>
+            </a:r>
+          </a:p>
+          <a:p>
+            <a:r>
+              <a:rPr lang="en-US" sz="2400" dirty="0"/>
+              <a:t>1940s – WWII Microdots </a:t>
+            </a:r>
+          </a:p>
+          <a:p>
             <a:endParaRPr lang="en-US" dirty="0"/>
           </a:p>
         </p:txBody>
       </p:sp>
+      <p:pic>
+        <p:nvPicPr>
+          <p:cNvPr id="5" name="Picture 4" descr="A person wearing a military uniform&#10;&#10;Description automatically generated">
+            <a:extLst>
+              <a:ext uri="{FF2B5EF4-FFF2-40B4-BE49-F238E27FC236}">
+                <a16:creationId xmlns:a16="http://schemas.microsoft.com/office/drawing/2014/main" id="{77E955B2-FFC5-4B65-9459-614DA067A5DE}"/>
+              </a:ext>
+            </a:extLst>
+          </p:cNvPr>
+          <p:cNvPicPr>
+            <a:picLocks noChangeAspect="1"/>
+          </p:cNvPicPr>
+          <p:nvPr/>
+        </p:nvPicPr>
+        <p:blipFill rotWithShape="1">
+          <a:blip r:embed="rId2">
+            <a:extLst>
+              <a:ext uri="{28A0092B-C50C-407E-A947-70E740481C1C}">
+                <a14:useLocalDpi xmlns:a14="http://schemas.microsoft.com/office/drawing/2010/main" val="0"/>
+              </a:ext>
+            </a:extLst>
+          </a:blip>
+          <a:srcRect l="12255" r="8234"/>
+          <a:stretch/>
+        </p:blipFill>
+        <p:spPr>
+          <a:xfrm>
+            <a:off x="7352522" y="259400"/>
+            <a:ext cx="4721292" cy="3006057"/>
+          </a:xfrm>
+          <a:prstGeom prst="rect">
+            <a:avLst/>
+          </a:prstGeom>
+        </p:spPr>
+      </p:pic>
+      <p:pic>
+        <p:nvPicPr>
+          <p:cNvPr id="7" name="Picture 6" descr="A picture containing clock, old, sitting, hanging&#10;&#10;Description automatically generated">
+            <a:extLst>
+              <a:ext uri="{FF2B5EF4-FFF2-40B4-BE49-F238E27FC236}">
+                <a16:creationId xmlns:a16="http://schemas.microsoft.com/office/drawing/2014/main" id="{DC3A074E-1D31-4E7C-A27C-EBE23345250E}"/>
+              </a:ext>
+            </a:extLst>
+          </p:cNvPr>
+          <p:cNvPicPr>
+            <a:picLocks noChangeAspect="1"/>
+          </p:cNvPicPr>
+          <p:nvPr/>
+        </p:nvPicPr>
+        <p:blipFill rotWithShape="1">
+          <a:blip r:embed="rId3">
+            <a:extLst>
+              <a:ext uri="{28A0092B-C50C-407E-A947-70E740481C1C}">
+                <a14:useLocalDpi xmlns:a14="http://schemas.microsoft.com/office/drawing/2010/main" val="0"/>
+              </a:ext>
+            </a:extLst>
+          </a:blip>
+          <a:srcRect l="11953" t="12517" r="14917" b="11836"/>
+          <a:stretch/>
+        </p:blipFill>
+        <p:spPr>
+          <a:xfrm>
+            <a:off x="7494040" y="3490843"/>
+            <a:ext cx="4505130" cy="3107757"/>
+          </a:xfrm>
+          <a:prstGeom prst="rect">
+            <a:avLst/>
+          </a:prstGeom>
+        </p:spPr>
+      </p:pic>
+      <p:pic>
+        <p:nvPicPr>
+          <p:cNvPr id="9" name="Picture 8" descr="A close up of a piece of paper&#10;&#10;Description automatically generated">
+            <a:extLst>
+              <a:ext uri="{FF2B5EF4-FFF2-40B4-BE49-F238E27FC236}">
+                <a16:creationId xmlns:a16="http://schemas.microsoft.com/office/drawing/2014/main" id="{7235AD4B-F64F-4E22-AAE4-AB3DBEC2B4AB}"/>
+              </a:ext>
+            </a:extLst>
+          </p:cNvPr>
+          <p:cNvPicPr>
+            <a:picLocks noChangeAspect="1"/>
+          </p:cNvPicPr>
+          <p:nvPr/>
+        </p:nvPicPr>
+        <p:blipFill>
+          <a:blip r:embed="rId4">
+            <a:extLst>
+              <a:ext uri="{28A0092B-C50C-407E-A947-70E740481C1C}">
+                <a14:useLocalDpi xmlns:a14="http://schemas.microsoft.com/office/drawing/2010/main" val="0"/>
+              </a:ext>
+            </a:extLst>
+          </a:blip>
+          <a:stretch>
+            <a:fillRect/>
+          </a:stretch>
+        </p:blipFill>
+        <p:spPr>
+          <a:xfrm>
+            <a:off x="3886017" y="3769567"/>
+            <a:ext cx="3561550" cy="2829033"/>
+          </a:xfrm>
+          <a:prstGeom prst="rect">
+            <a:avLst/>
+          </a:prstGeom>
+        </p:spPr>
+      </p:pic>
     </p:spTree>
     <p:extLst>
       <p:ext uri="{BB962C8B-B14F-4D97-AF65-F5344CB8AC3E}">
@@ -3924,6 +4053,52 @@
       </p:grpSpPr>
       <p:sp>
         <p:nvSpPr>
+          <p:cNvPr id="5" name="Rectangle 4">
+            <a:extLst>
+              <a:ext uri="{FF2B5EF4-FFF2-40B4-BE49-F238E27FC236}">
+                <a16:creationId xmlns:a16="http://schemas.microsoft.com/office/drawing/2014/main" id="{60BBFB3C-C9B1-4C04-98B2-60FAB19227F5}"/>
+              </a:ext>
+            </a:extLst>
+          </p:cNvPr>
+          <p:cNvSpPr/>
+          <p:nvPr/>
+        </p:nvSpPr>
+        <p:spPr>
+          <a:xfrm>
+            <a:off x="12228966" y="4294392"/>
+            <a:ext cx="7407478" cy="659854"/>
+          </a:xfrm>
+          <a:prstGeom prst="rect">
+            <a:avLst/>
+          </a:prstGeom>
+        </p:spPr>
+        <p:style>
+          <a:lnRef idx="2">
+            <a:schemeClr val="dk1">
+              <a:shade val="50000"/>
+            </a:schemeClr>
+          </a:lnRef>
+          <a:fillRef idx="1">
+            <a:schemeClr val="dk1"/>
+          </a:fillRef>
+          <a:effectRef idx="0">
+            <a:schemeClr val="dk1"/>
+          </a:effectRef>
+          <a:fontRef idx="minor">
+            <a:schemeClr val="lt1"/>
+          </a:fontRef>
+        </p:style>
+        <p:txBody>
+          <a:bodyPr rtlCol="0" anchor="ctr"/>
+          <a:lstStyle/>
+          <a:p>
+            <a:pPr algn="ctr"/>
+            <a:endParaRPr lang="en-US"/>
+          </a:p>
+        </p:txBody>
+      </p:sp>
+      <p:sp>
+        <p:nvSpPr>
           <p:cNvPr id="2" name="Title 1">
             <a:extLst>
               <a:ext uri="{FF2B5EF4-FFF2-40B4-BE49-F238E27FC236}">
@@ -4187,17 +4362,13 @@
           </a:bodyPr>
           <a:lstStyle/>
           <a:p>
-            <a:pPr marL="285750" indent="-285750">
-              <a:buFont typeface="Arial" panose="020B0604020202020204" pitchFamily="34" charset="0"/>
-              <a:buChar char="•"/>
-            </a:pPr>
             <a:r>
               <a:rPr lang="en-US" sz="2800" dirty="0">
                 <a:solidFill>
                   <a:schemeClr val="bg1"/>
                 </a:solidFill>
               </a:rPr>
-              <a:t>Some messages are harder to find than others…</a:t>
+              <a:t>   Some messages are harder to find than others…</a:t>
             </a:r>
           </a:p>
         </p:txBody>

--- a/Documents/Presentation.pptx
+++ b/Documents/Presentation.pptx
@@ -9,12 +9,13 @@
     <p:sldId id="263" r:id="rId3"/>
     <p:sldId id="257" r:id="rId4"/>
     <p:sldId id="264" r:id="rId5"/>
-    <p:sldId id="265" r:id="rId6"/>
+    <p:sldId id="266" r:id="rId6"/>
     <p:sldId id="258" r:id="rId7"/>
-    <p:sldId id="259" r:id="rId8"/>
-    <p:sldId id="260" r:id="rId9"/>
-    <p:sldId id="261" r:id="rId10"/>
-    <p:sldId id="262" r:id="rId11"/>
+    <p:sldId id="265" r:id="rId8"/>
+    <p:sldId id="259" r:id="rId9"/>
+    <p:sldId id="260" r:id="rId10"/>
+    <p:sldId id="261" r:id="rId11"/>
+    <p:sldId id="262" r:id="rId12"/>
   </p:sldIdLst>
   <p:sldSz cx="12192000" cy="6858000"/>
   <p:notesSz cx="6858000" cy="9144000"/>
@@ -3449,6 +3450,89 @@
           <p:cNvPr id="2" name="Title 1">
             <a:extLst>
               <a:ext uri="{FF2B5EF4-FFF2-40B4-BE49-F238E27FC236}">
+                <a16:creationId xmlns:a16="http://schemas.microsoft.com/office/drawing/2014/main" id="{D8D4BA70-8AD6-49C4-8FEC-58E4A47A1C8D}"/>
+              </a:ext>
+            </a:extLst>
+          </p:cNvPr>
+          <p:cNvSpPr>
+            <a:spLocks noGrp="1"/>
+          </p:cNvSpPr>
+          <p:nvPr>
+            <p:ph type="title"/>
+          </p:nvPr>
+        </p:nvSpPr>
+        <p:spPr/>
+        <p:txBody>
+          <a:bodyPr/>
+          <a:lstStyle/>
+          <a:p>
+            <a:r>
+              <a:rPr lang="en-US" dirty="0"/>
+              <a:t>Activity</a:t>
+            </a:r>
+          </a:p>
+        </p:txBody>
+      </p:sp>
+      <p:sp>
+        <p:nvSpPr>
+          <p:cNvPr id="3" name="Content Placeholder 2">
+            <a:extLst>
+              <a:ext uri="{FF2B5EF4-FFF2-40B4-BE49-F238E27FC236}">
+                <a16:creationId xmlns:a16="http://schemas.microsoft.com/office/drawing/2014/main" id="{1825719B-AD83-4EB5-82A9-7EDE47E6637E}"/>
+              </a:ext>
+            </a:extLst>
+          </p:cNvPr>
+          <p:cNvSpPr>
+            <a:spLocks noGrp="1"/>
+          </p:cNvSpPr>
+          <p:nvPr>
+            <p:ph idx="1"/>
+          </p:nvPr>
+        </p:nvSpPr>
+        <p:spPr/>
+        <p:txBody>
+          <a:bodyPr/>
+          <a:lstStyle/>
+          <a:p>
+            <a:endParaRPr lang="en-US"/>
+          </a:p>
+        </p:txBody>
+      </p:sp>
+    </p:spTree>
+    <p:extLst>
+      <p:ext uri="{BB962C8B-B14F-4D97-AF65-F5344CB8AC3E}">
+        <p14:creationId xmlns:p14="http://schemas.microsoft.com/office/powerpoint/2010/main" val="1270555795"/>
+      </p:ext>
+    </p:extLst>
+  </p:cSld>
+  <p:clrMapOvr>
+    <a:masterClrMapping/>
+  </p:clrMapOvr>
+</p:sld>
+</file>
+
+<file path=ppt/slides/slide11.xml><?xml version="1.0" encoding="utf-8"?>
+<p:sld xmlns:a="http://schemas.openxmlformats.org/drawingml/2006/main" xmlns:r="http://schemas.openxmlformats.org/officeDocument/2006/relationships" xmlns:p="http://schemas.openxmlformats.org/presentationml/2006/main">
+  <p:cSld>
+    <p:spTree>
+      <p:nvGrpSpPr>
+        <p:cNvPr id="1" name=""/>
+        <p:cNvGrpSpPr/>
+        <p:nvPr/>
+      </p:nvGrpSpPr>
+      <p:grpSpPr>
+        <a:xfrm>
+          <a:off x="0" y="0"/>
+          <a:ext cx="0" cy="0"/>
+          <a:chOff x="0" y="0"/>
+          <a:chExt cx="0" cy="0"/>
+        </a:xfrm>
+      </p:grpSpPr>
+      <p:sp>
+        <p:nvSpPr>
+          <p:cNvPr id="2" name="Title 1">
+            <a:extLst>
+              <a:ext uri="{FF2B5EF4-FFF2-40B4-BE49-F238E27FC236}">
                 <a16:creationId xmlns:a16="http://schemas.microsoft.com/office/drawing/2014/main" id="{7E477A64-8382-4987-839D-01B8EF44D427}"/>
               </a:ext>
             </a:extLst>
@@ -4408,7 +4492,7 @@
           <p:cNvPr id="2" name="Title 1">
             <a:extLst>
               <a:ext uri="{FF2B5EF4-FFF2-40B4-BE49-F238E27FC236}">
-                <a16:creationId xmlns:a16="http://schemas.microsoft.com/office/drawing/2014/main" id="{BC2536C3-DBEE-4795-A635-166182FA7698}"/>
+                <a16:creationId xmlns:a16="http://schemas.microsoft.com/office/drawing/2014/main" id="{57E1EBA0-5E24-4423-839C-25211E4DB622}"/>
               </a:ext>
             </a:extLst>
           </p:cNvPr>
@@ -4419,14 +4503,19 @@
             <p:ph type="title"/>
           </p:nvPr>
         </p:nvSpPr>
-        <p:spPr/>
+        <p:spPr>
+          <a:xfrm>
+            <a:off x="838200" y="289624"/>
+            <a:ext cx="10515600" cy="1325563"/>
+          </a:xfrm>
+        </p:spPr>
         <p:txBody>
           <a:bodyPr/>
           <a:lstStyle/>
           <a:p>
             <a:r>
               <a:rPr lang="en-US" dirty="0"/>
-              <a:t>Significance</a:t>
+              <a:t>Steganographic Techniques</a:t>
             </a:r>
           </a:p>
         </p:txBody>
@@ -4436,7 +4525,7 @@
           <p:cNvPr id="3" name="Content Placeholder 2">
             <a:extLst>
               <a:ext uri="{FF2B5EF4-FFF2-40B4-BE49-F238E27FC236}">
-                <a16:creationId xmlns:a16="http://schemas.microsoft.com/office/drawing/2014/main" id="{83A8A7B3-AFE4-44E2-B09E-1A2536BF750C}"/>
+                <a16:creationId xmlns:a16="http://schemas.microsoft.com/office/drawing/2014/main" id="{19AB7866-9AFE-4885-8DA4-CA947C9BFE55}"/>
               </a:ext>
             </a:extLst>
           </p:cNvPr>
@@ -4447,25 +4536,100 @@
             <p:ph idx="1"/>
           </p:nvPr>
         </p:nvSpPr>
-        <p:spPr/>
-        <p:txBody>
-          <a:bodyPr/>
-          <a:lstStyle/>
-          <a:p>
+        <p:spPr>
+          <a:xfrm>
+            <a:off x="838200" y="1409350"/>
+            <a:ext cx="10515600" cy="5259898"/>
+          </a:xfrm>
+        </p:spPr>
+        <p:txBody>
+          <a:bodyPr>
+            <a:normAutofit fontScale="92500" lnSpcReduction="10000"/>
+          </a:bodyPr>
+          <a:lstStyle/>
+          <a:p>
+            <a:pPr>
+              <a:lnSpc>
+                <a:spcPct val="110000"/>
+              </a:lnSpc>
+            </a:pPr>
             <a:r>
               <a:rPr lang="en-US" dirty="0"/>
-              <a:t>Hypothetical app that takes pictures w/ cloud service, could encrypt credit card/other personal data, and steals data</a:t>
-            </a:r>
-          </a:p>
-          <a:p>
-            <a:endParaRPr lang="en-US" dirty="0"/>
+              <a:t>Using noise – noise in an image can be replaced with meaningful data </a:t>
+            </a:r>
+          </a:p>
+          <a:p>
+            <a:pPr>
+              <a:lnSpc>
+                <a:spcPct val="110000"/>
+              </a:lnSpc>
+            </a:pPr>
+            <a:r>
+              <a:rPr lang="en-US" dirty="0"/>
+              <a:t>Spreading out information – using set intervals between pixels to hide data</a:t>
+            </a:r>
+          </a:p>
+          <a:p>
+            <a:pPr>
+              <a:lnSpc>
+                <a:spcPct val="110000"/>
+              </a:lnSpc>
+            </a:pPr>
+            <a:r>
+              <a:rPr lang="en-US" dirty="0"/>
+              <a:t>Adopting a statistical profile – reformulating data to avoid typical patterns              like letter frequency</a:t>
+            </a:r>
+          </a:p>
+          <a:p>
+            <a:pPr>
+              <a:lnSpc>
+                <a:spcPct val="110000"/>
+              </a:lnSpc>
+            </a:pPr>
+            <a:r>
+              <a:rPr lang="en-US" dirty="0"/>
+              <a:t>Replacing randomness with information – some applications use random numbers to add realistic features, purposely setting these values could hold information</a:t>
+            </a:r>
+          </a:p>
+          <a:p>
+            <a:pPr>
+              <a:lnSpc>
+                <a:spcPct val="110000"/>
+              </a:lnSpc>
+            </a:pPr>
+            <a:r>
+              <a:rPr lang="en-US" dirty="0"/>
+              <a:t>Changing orders of lists </a:t>
+            </a:r>
+          </a:p>
+          <a:p>
+            <a:pPr>
+              <a:lnSpc>
+                <a:spcPct val="110000"/>
+              </a:lnSpc>
+            </a:pPr>
+            <a:r>
+              <a:rPr lang="en-US" dirty="0"/>
+              <a:t>Splitting information – creating several packages with portions of the data that create the initial message only when enough are combined</a:t>
+            </a:r>
+          </a:p>
+          <a:p>
+            <a:pPr>
+              <a:lnSpc>
+                <a:spcPct val="110000"/>
+              </a:lnSpc>
+            </a:pPr>
+            <a:r>
+              <a:rPr lang="en-US" dirty="0"/>
+              <a:t>Hiding the source – broadcasting information anonymously</a:t>
+            </a:r>
           </a:p>
         </p:txBody>
       </p:sp>
     </p:spTree>
     <p:extLst>
       <p:ext uri="{BB962C8B-B14F-4D97-AF65-F5344CB8AC3E}">
-        <p14:creationId xmlns:p14="http://schemas.microsoft.com/office/powerpoint/2010/main" val="618854077"/>
+        <p14:creationId xmlns:p14="http://schemas.microsoft.com/office/powerpoint/2010/main" val="67232715"/>
       </p:ext>
     </p:extLst>
   </p:cSld>
@@ -4602,7 +4766,7 @@
           <p:cNvPr id="2" name="Title 1">
             <a:extLst>
               <a:ext uri="{FF2B5EF4-FFF2-40B4-BE49-F238E27FC236}">
-                <a16:creationId xmlns:a16="http://schemas.microsoft.com/office/drawing/2014/main" id="{188C3C5B-0284-4A9F-95C1-2DB7BD15C05D}"/>
+                <a16:creationId xmlns:a16="http://schemas.microsoft.com/office/drawing/2014/main" id="{BC2536C3-DBEE-4795-A635-166182FA7698}"/>
               </a:ext>
             </a:extLst>
           </p:cNvPr>
@@ -4620,7 +4784,7 @@
           <a:p>
             <a:r>
               <a:rPr lang="en-US" dirty="0"/>
-              <a:t>Mathematical ideas</a:t>
+              <a:t>Significance</a:t>
             </a:r>
           </a:p>
         </p:txBody>
@@ -4630,7 +4794,7 @@
           <p:cNvPr id="3" name="Content Placeholder 2">
             <a:extLst>
               <a:ext uri="{FF2B5EF4-FFF2-40B4-BE49-F238E27FC236}">
-                <a16:creationId xmlns:a16="http://schemas.microsoft.com/office/drawing/2014/main" id="{AC4D4EF4-3E7F-4133-B3D7-374DD688A391}"/>
+                <a16:creationId xmlns:a16="http://schemas.microsoft.com/office/drawing/2014/main" id="{83A8A7B3-AFE4-44E2-B09E-1A2536BF750C}"/>
               </a:ext>
             </a:extLst>
           </p:cNvPr>
@@ -4646,14 +4810,20 @@
           <a:bodyPr/>
           <a:lstStyle/>
           <a:p>
-            <a:endParaRPr lang="en-US"/>
+            <a:r>
+              <a:rPr lang="en-US" dirty="0"/>
+              <a:t>Hypothetical app that takes pictures w/ cloud service, could encrypt credit card/other personal data, and steals data</a:t>
+            </a:r>
+          </a:p>
+          <a:p>
+            <a:endParaRPr lang="en-US" dirty="0"/>
           </a:p>
         </p:txBody>
       </p:sp>
     </p:spTree>
     <p:extLst>
       <p:ext uri="{BB962C8B-B14F-4D97-AF65-F5344CB8AC3E}">
-        <p14:creationId xmlns:p14="http://schemas.microsoft.com/office/powerpoint/2010/main" val="1264975641"/>
+        <p14:creationId xmlns:p14="http://schemas.microsoft.com/office/powerpoint/2010/main" val="618854077"/>
       </p:ext>
     </p:extLst>
   </p:cSld>
@@ -4685,7 +4855,7 @@
           <p:cNvPr id="2" name="Title 1">
             <a:extLst>
               <a:ext uri="{FF2B5EF4-FFF2-40B4-BE49-F238E27FC236}">
-                <a16:creationId xmlns:a16="http://schemas.microsoft.com/office/drawing/2014/main" id="{063C45F0-89D2-4657-882E-DA7CD6F40220}"/>
+                <a16:creationId xmlns:a16="http://schemas.microsoft.com/office/drawing/2014/main" id="{188C3C5B-0284-4A9F-95C1-2DB7BD15C05D}"/>
               </a:ext>
             </a:extLst>
           </p:cNvPr>
@@ -4703,7 +4873,7 @@
           <a:p>
             <a:r>
               <a:rPr lang="en-US" dirty="0"/>
-              <a:t>Example</a:t>
+              <a:t>Mathematical ideas</a:t>
             </a:r>
           </a:p>
         </p:txBody>
@@ -4713,7 +4883,7 @@
           <p:cNvPr id="3" name="Content Placeholder 2">
             <a:extLst>
               <a:ext uri="{FF2B5EF4-FFF2-40B4-BE49-F238E27FC236}">
-                <a16:creationId xmlns:a16="http://schemas.microsoft.com/office/drawing/2014/main" id="{F3CC7D4D-D2EA-49FC-B388-A48428929A30}"/>
+                <a16:creationId xmlns:a16="http://schemas.microsoft.com/office/drawing/2014/main" id="{AC4D4EF4-3E7F-4133-B3D7-374DD688A391}"/>
               </a:ext>
             </a:extLst>
           </p:cNvPr>
@@ -4736,7 +4906,7 @@
     </p:spTree>
     <p:extLst>
       <p:ext uri="{BB962C8B-B14F-4D97-AF65-F5344CB8AC3E}">
-        <p14:creationId xmlns:p14="http://schemas.microsoft.com/office/powerpoint/2010/main" val="2438280253"/>
+        <p14:creationId xmlns:p14="http://schemas.microsoft.com/office/powerpoint/2010/main" val="1264975641"/>
       </p:ext>
     </p:extLst>
   </p:cSld>
@@ -4768,7 +4938,7 @@
           <p:cNvPr id="2" name="Title 1">
             <a:extLst>
               <a:ext uri="{FF2B5EF4-FFF2-40B4-BE49-F238E27FC236}">
-                <a16:creationId xmlns:a16="http://schemas.microsoft.com/office/drawing/2014/main" id="{D8D4BA70-8AD6-49C4-8FEC-58E4A47A1C8D}"/>
+                <a16:creationId xmlns:a16="http://schemas.microsoft.com/office/drawing/2014/main" id="{063C45F0-89D2-4657-882E-DA7CD6F40220}"/>
               </a:ext>
             </a:extLst>
           </p:cNvPr>
@@ -4786,7 +4956,7 @@
           <a:p>
             <a:r>
               <a:rPr lang="en-US" dirty="0"/>
-              <a:t>Activity</a:t>
+              <a:t>Example</a:t>
             </a:r>
           </a:p>
         </p:txBody>
@@ -4796,7 +4966,7 @@
           <p:cNvPr id="3" name="Content Placeholder 2">
             <a:extLst>
               <a:ext uri="{FF2B5EF4-FFF2-40B4-BE49-F238E27FC236}">
-                <a16:creationId xmlns:a16="http://schemas.microsoft.com/office/drawing/2014/main" id="{1825719B-AD83-4EB5-82A9-7EDE47E6637E}"/>
+                <a16:creationId xmlns:a16="http://schemas.microsoft.com/office/drawing/2014/main" id="{F3CC7D4D-D2EA-49FC-B388-A48428929A30}"/>
               </a:ext>
             </a:extLst>
           </p:cNvPr>
@@ -4819,7 +4989,7 @@
     </p:spTree>
     <p:extLst>
       <p:ext uri="{BB962C8B-B14F-4D97-AF65-F5344CB8AC3E}">
-        <p14:creationId xmlns:p14="http://schemas.microsoft.com/office/powerpoint/2010/main" val="1270555795"/>
+        <p14:creationId xmlns:p14="http://schemas.microsoft.com/office/powerpoint/2010/main" val="2438280253"/>
       </p:ext>
     </p:extLst>
   </p:cSld>

--- a/Documents/Presentation.pptx
+++ b/Documents/Presentation.pptx
@@ -12,10 +12,12 @@
     <p:sldId id="266" r:id="rId6"/>
     <p:sldId id="258" r:id="rId7"/>
     <p:sldId id="265" r:id="rId8"/>
-    <p:sldId id="259" r:id="rId9"/>
-    <p:sldId id="260" r:id="rId10"/>
-    <p:sldId id="261" r:id="rId11"/>
-    <p:sldId id="262" r:id="rId12"/>
+    <p:sldId id="267" r:id="rId9"/>
+    <p:sldId id="268" r:id="rId10"/>
+    <p:sldId id="259" r:id="rId11"/>
+    <p:sldId id="260" r:id="rId12"/>
+    <p:sldId id="261" r:id="rId13"/>
+    <p:sldId id="262" r:id="rId14"/>
   </p:sldIdLst>
   <p:sldSz cx="12192000" cy="6858000"/>
   <p:notesSz cx="6858000" cy="9144000"/>
@@ -269,7 +271,7 @@
           <a:p>
             <a:fld id="{546F50B6-7186-46B7-9A3A-D1973F40F53C}" type="datetimeFigureOut">
               <a:rPr lang="en-US" smtClean="0"/>
-              <a:t>1/19/2020</a:t>
+              <a:t>1/20/2020</a:t>
             </a:fld>
             <a:endParaRPr lang="en-US"/>
           </a:p>
@@ -467,7 +469,7 @@
           <a:p>
             <a:fld id="{546F50B6-7186-46B7-9A3A-D1973F40F53C}" type="datetimeFigureOut">
               <a:rPr lang="en-US" smtClean="0"/>
-              <a:t>1/19/2020</a:t>
+              <a:t>1/20/2020</a:t>
             </a:fld>
             <a:endParaRPr lang="en-US"/>
           </a:p>
@@ -675,7 +677,7 @@
           <a:p>
             <a:fld id="{546F50B6-7186-46B7-9A3A-D1973F40F53C}" type="datetimeFigureOut">
               <a:rPr lang="en-US" smtClean="0"/>
-              <a:t>1/19/2020</a:t>
+              <a:t>1/20/2020</a:t>
             </a:fld>
             <a:endParaRPr lang="en-US"/>
           </a:p>
@@ -873,7 +875,7 @@
           <a:p>
             <a:fld id="{546F50B6-7186-46B7-9A3A-D1973F40F53C}" type="datetimeFigureOut">
               <a:rPr lang="en-US" smtClean="0"/>
-              <a:t>1/19/2020</a:t>
+              <a:t>1/20/2020</a:t>
             </a:fld>
             <a:endParaRPr lang="en-US"/>
           </a:p>
@@ -1148,7 +1150,7 @@
           <a:p>
             <a:fld id="{546F50B6-7186-46B7-9A3A-D1973F40F53C}" type="datetimeFigureOut">
               <a:rPr lang="en-US" smtClean="0"/>
-              <a:t>1/19/2020</a:t>
+              <a:t>1/20/2020</a:t>
             </a:fld>
             <a:endParaRPr lang="en-US"/>
           </a:p>
@@ -1413,7 +1415,7 @@
           <a:p>
             <a:fld id="{546F50B6-7186-46B7-9A3A-D1973F40F53C}" type="datetimeFigureOut">
               <a:rPr lang="en-US" smtClean="0"/>
-              <a:t>1/19/2020</a:t>
+              <a:t>1/20/2020</a:t>
             </a:fld>
             <a:endParaRPr lang="en-US"/>
           </a:p>
@@ -1825,7 +1827,7 @@
           <a:p>
             <a:fld id="{546F50B6-7186-46B7-9A3A-D1973F40F53C}" type="datetimeFigureOut">
               <a:rPr lang="en-US" smtClean="0"/>
-              <a:t>1/19/2020</a:t>
+              <a:t>1/20/2020</a:t>
             </a:fld>
             <a:endParaRPr lang="en-US"/>
           </a:p>
@@ -1966,7 +1968,7 @@
           <a:p>
             <a:fld id="{546F50B6-7186-46B7-9A3A-D1973F40F53C}" type="datetimeFigureOut">
               <a:rPr lang="en-US" smtClean="0"/>
-              <a:t>1/19/2020</a:t>
+              <a:t>1/20/2020</a:t>
             </a:fld>
             <a:endParaRPr lang="en-US"/>
           </a:p>
@@ -2079,7 +2081,7 @@
           <a:p>
             <a:fld id="{546F50B6-7186-46B7-9A3A-D1973F40F53C}" type="datetimeFigureOut">
               <a:rPr lang="en-US" smtClean="0"/>
-              <a:t>1/19/2020</a:t>
+              <a:t>1/20/2020</a:t>
             </a:fld>
             <a:endParaRPr lang="en-US"/>
           </a:p>
@@ -2390,7 +2392,7 @@
           <a:p>
             <a:fld id="{546F50B6-7186-46B7-9A3A-D1973F40F53C}" type="datetimeFigureOut">
               <a:rPr lang="en-US" smtClean="0"/>
-              <a:t>1/19/2020</a:t>
+              <a:t>1/20/2020</a:t>
             </a:fld>
             <a:endParaRPr lang="en-US"/>
           </a:p>
@@ -2678,7 +2680,7 @@
           <a:p>
             <a:fld id="{546F50B6-7186-46B7-9A3A-D1973F40F53C}" type="datetimeFigureOut">
               <a:rPr lang="en-US" smtClean="0"/>
-              <a:t>1/19/2020</a:t>
+              <a:t>1/20/2020</a:t>
             </a:fld>
             <a:endParaRPr lang="en-US"/>
           </a:p>
@@ -2919,7 +2921,7 @@
           <a:p>
             <a:fld id="{546F50B6-7186-46B7-9A3A-D1973F40F53C}" type="datetimeFigureOut">
               <a:rPr lang="en-US" smtClean="0"/>
-              <a:t>1/19/2020</a:t>
+              <a:t>1/20/2020</a:t>
             </a:fld>
             <a:endParaRPr lang="en-US"/>
           </a:p>
@@ -3450,6 +3452,190 @@
           <p:cNvPr id="2" name="Title 1">
             <a:extLst>
               <a:ext uri="{FF2B5EF4-FFF2-40B4-BE49-F238E27FC236}">
+                <a16:creationId xmlns:a16="http://schemas.microsoft.com/office/drawing/2014/main" id="{188C3C5B-0284-4A9F-95C1-2DB7BD15C05D}"/>
+              </a:ext>
+            </a:extLst>
+          </p:cNvPr>
+          <p:cNvSpPr>
+            <a:spLocks noGrp="1"/>
+          </p:cNvSpPr>
+          <p:nvPr>
+            <p:ph type="title"/>
+          </p:nvPr>
+        </p:nvSpPr>
+        <p:spPr/>
+        <p:txBody>
+          <a:bodyPr/>
+          <a:lstStyle/>
+          <a:p>
+            <a:r>
+              <a:rPr lang="en-US" dirty="0"/>
+              <a:t>The </a:t>
+            </a:r>
+            <a:r>
+              <a:rPr lang="en-US" b="1" dirty="0">
+                <a:latin typeface="GreekC" panose="00000400000000000000" pitchFamily="2" charset="0"/>
+                <a:cs typeface="GreekC" panose="00000400000000000000" pitchFamily="2" charset="0"/>
+              </a:rPr>
+              <a:t>c</a:t>
+            </a:r>
+            <a:r>
+              <a:rPr lang="en-US" baseline="30000" dirty="0"/>
+              <a:t>2</a:t>
+            </a:r>
+            <a:r>
+              <a:rPr lang="en-US" dirty="0"/>
+              <a:t> attack</a:t>
+            </a:r>
+          </a:p>
+        </p:txBody>
+      </p:sp>
+      <p:sp>
+        <p:nvSpPr>
+          <p:cNvPr id="3" name="Content Placeholder 2">
+            <a:extLst>
+              <a:ext uri="{FF2B5EF4-FFF2-40B4-BE49-F238E27FC236}">
+                <a16:creationId xmlns:a16="http://schemas.microsoft.com/office/drawing/2014/main" id="{AC4D4EF4-3E7F-4133-B3D7-374DD688A391}"/>
+              </a:ext>
+            </a:extLst>
+          </p:cNvPr>
+          <p:cNvSpPr>
+            <a:spLocks noGrp="1"/>
+          </p:cNvSpPr>
+          <p:nvPr>
+            <p:ph idx="1"/>
+          </p:nvPr>
+        </p:nvSpPr>
+        <p:spPr/>
+        <p:txBody>
+          <a:bodyPr/>
+          <a:lstStyle/>
+          <a:p>
+            <a:r>
+              <a:rPr lang="en-US" dirty="0"/>
+              <a:t>Histogram of DCT coefficients</a:t>
+            </a:r>
+          </a:p>
+        </p:txBody>
+      </p:sp>
+    </p:spTree>
+    <p:extLst>
+      <p:ext uri="{BB962C8B-B14F-4D97-AF65-F5344CB8AC3E}">
+        <p14:creationId xmlns:p14="http://schemas.microsoft.com/office/powerpoint/2010/main" val="1264975641"/>
+      </p:ext>
+    </p:extLst>
+  </p:cSld>
+  <p:clrMapOvr>
+    <a:masterClrMapping/>
+  </p:clrMapOvr>
+</p:sld>
+</file>
+
+<file path=ppt/slides/slide11.xml><?xml version="1.0" encoding="utf-8"?>
+<p:sld xmlns:a="http://schemas.openxmlformats.org/drawingml/2006/main" xmlns:r="http://schemas.openxmlformats.org/officeDocument/2006/relationships" xmlns:p="http://schemas.openxmlformats.org/presentationml/2006/main">
+  <p:cSld>
+    <p:spTree>
+      <p:nvGrpSpPr>
+        <p:cNvPr id="1" name=""/>
+        <p:cNvGrpSpPr/>
+        <p:nvPr/>
+      </p:nvGrpSpPr>
+      <p:grpSpPr>
+        <a:xfrm>
+          <a:off x="0" y="0"/>
+          <a:ext cx="0" cy="0"/>
+          <a:chOff x="0" y="0"/>
+          <a:chExt cx="0" cy="0"/>
+        </a:xfrm>
+      </p:grpSpPr>
+      <p:sp>
+        <p:nvSpPr>
+          <p:cNvPr id="2" name="Title 1">
+            <a:extLst>
+              <a:ext uri="{FF2B5EF4-FFF2-40B4-BE49-F238E27FC236}">
+                <a16:creationId xmlns:a16="http://schemas.microsoft.com/office/drawing/2014/main" id="{063C45F0-89D2-4657-882E-DA7CD6F40220}"/>
+              </a:ext>
+            </a:extLst>
+          </p:cNvPr>
+          <p:cNvSpPr>
+            <a:spLocks noGrp="1"/>
+          </p:cNvSpPr>
+          <p:nvPr>
+            <p:ph type="title"/>
+          </p:nvPr>
+        </p:nvSpPr>
+        <p:spPr/>
+        <p:txBody>
+          <a:bodyPr/>
+          <a:lstStyle/>
+          <a:p>
+            <a:r>
+              <a:rPr lang="en-US" dirty="0"/>
+              <a:t>Example</a:t>
+            </a:r>
+          </a:p>
+        </p:txBody>
+      </p:sp>
+      <p:sp>
+        <p:nvSpPr>
+          <p:cNvPr id="3" name="Content Placeholder 2">
+            <a:extLst>
+              <a:ext uri="{FF2B5EF4-FFF2-40B4-BE49-F238E27FC236}">
+                <a16:creationId xmlns:a16="http://schemas.microsoft.com/office/drawing/2014/main" id="{F3CC7D4D-D2EA-49FC-B388-A48428929A30}"/>
+              </a:ext>
+            </a:extLst>
+          </p:cNvPr>
+          <p:cNvSpPr>
+            <a:spLocks noGrp="1"/>
+          </p:cNvSpPr>
+          <p:nvPr>
+            <p:ph idx="1"/>
+          </p:nvPr>
+        </p:nvSpPr>
+        <p:spPr/>
+        <p:txBody>
+          <a:bodyPr/>
+          <a:lstStyle/>
+          <a:p>
+            <a:endParaRPr lang="en-US"/>
+          </a:p>
+        </p:txBody>
+      </p:sp>
+    </p:spTree>
+    <p:extLst>
+      <p:ext uri="{BB962C8B-B14F-4D97-AF65-F5344CB8AC3E}">
+        <p14:creationId xmlns:p14="http://schemas.microsoft.com/office/powerpoint/2010/main" val="2438280253"/>
+      </p:ext>
+    </p:extLst>
+  </p:cSld>
+  <p:clrMapOvr>
+    <a:masterClrMapping/>
+  </p:clrMapOvr>
+</p:sld>
+</file>
+
+<file path=ppt/slides/slide12.xml><?xml version="1.0" encoding="utf-8"?>
+<p:sld xmlns:a="http://schemas.openxmlformats.org/drawingml/2006/main" xmlns:r="http://schemas.openxmlformats.org/officeDocument/2006/relationships" xmlns:p="http://schemas.openxmlformats.org/presentationml/2006/main">
+  <p:cSld>
+    <p:spTree>
+      <p:nvGrpSpPr>
+        <p:cNvPr id="1" name=""/>
+        <p:cNvGrpSpPr/>
+        <p:nvPr/>
+      </p:nvGrpSpPr>
+      <p:grpSpPr>
+        <a:xfrm>
+          <a:off x="0" y="0"/>
+          <a:ext cx="0" cy="0"/>
+          <a:chOff x="0" y="0"/>
+          <a:chExt cx="0" cy="0"/>
+        </a:xfrm>
+      </p:grpSpPr>
+      <p:sp>
+        <p:nvSpPr>
+          <p:cNvPr id="2" name="Title 1">
+            <a:extLst>
+              <a:ext uri="{FF2B5EF4-FFF2-40B4-BE49-F238E27FC236}">
                 <a16:creationId xmlns:a16="http://schemas.microsoft.com/office/drawing/2014/main" id="{D8D4BA70-8AD6-49C4-8FEC-58E4A47A1C8D}"/>
               </a:ext>
             </a:extLst>
@@ -3511,7 +3697,7 @@
 </p:sld>
 </file>
 
-<file path=ppt/slides/slide11.xml><?xml version="1.0" encoding="utf-8"?>
+<file path=ppt/slides/slide13.xml><?xml version="1.0" encoding="utf-8"?>
 <p:sld xmlns:a="http://schemas.openxmlformats.org/drawingml/2006/main" xmlns:r="http://schemas.openxmlformats.org/officeDocument/2006/relationships" xmlns:p="http://schemas.openxmlformats.org/presentationml/2006/main">
   <p:cSld>
     <p:spTree>
@@ -4729,6 +4915,12 @@
             </a:r>
             <a:endParaRPr lang="en-US" dirty="0"/>
           </a:p>
+          <a:p>
+            <a:r>
+              <a:rPr lang="en-US" dirty="0"/>
+              <a:t>Lossy and lossless</a:t>
+            </a:r>
+          </a:p>
         </p:txBody>
       </p:sp>
     </p:spTree>
@@ -4816,6 +5008,12 @@
             </a:r>
           </a:p>
           <a:p>
+            <a:r>
+              <a:rPr lang="en-US" dirty="0"/>
+              <a:t>Digital watermarking</a:t>
+            </a:r>
+          </a:p>
+          <a:p>
             <a:endParaRPr lang="en-US" dirty="0"/>
           </a:p>
         </p:txBody>
@@ -4855,7 +5053,7 @@
           <p:cNvPr id="2" name="Title 1">
             <a:extLst>
               <a:ext uri="{FF2B5EF4-FFF2-40B4-BE49-F238E27FC236}">
-                <a16:creationId xmlns:a16="http://schemas.microsoft.com/office/drawing/2014/main" id="{188C3C5B-0284-4A9F-95C1-2DB7BD15C05D}"/>
+                <a16:creationId xmlns:a16="http://schemas.microsoft.com/office/drawing/2014/main" id="{51189FC1-5D10-4818-98A8-A3E02C456A8D}"/>
               </a:ext>
             </a:extLst>
           </p:cNvPr>
@@ -4873,7 +5071,7 @@
           <a:p>
             <a:r>
               <a:rPr lang="en-US" dirty="0"/>
-              <a:t>Mathematical ideas</a:t>
+              <a:t>Lossless Bitmap</a:t>
             </a:r>
           </a:p>
         </p:txBody>
@@ -4883,7 +5081,7 @@
           <p:cNvPr id="3" name="Content Placeholder 2">
             <a:extLst>
               <a:ext uri="{FF2B5EF4-FFF2-40B4-BE49-F238E27FC236}">
-                <a16:creationId xmlns:a16="http://schemas.microsoft.com/office/drawing/2014/main" id="{AC4D4EF4-3E7F-4133-B3D7-374DD688A391}"/>
+                <a16:creationId xmlns:a16="http://schemas.microsoft.com/office/drawing/2014/main" id="{8F0B26D8-9DE9-4D2A-8B4E-FD709BFB6B75}"/>
               </a:ext>
             </a:extLst>
           </p:cNvPr>
@@ -4899,14 +5097,17 @@
           <a:bodyPr/>
           <a:lstStyle/>
           <a:p>
-            <a:endParaRPr lang="en-US"/>
+            <a:r>
+              <a:rPr lang="en-US" dirty="0"/>
+              <a:t>Each pixel has a color value stored for r, g, b</a:t>
+            </a:r>
           </a:p>
         </p:txBody>
       </p:sp>
     </p:spTree>
     <p:extLst>
       <p:ext uri="{BB962C8B-B14F-4D97-AF65-F5344CB8AC3E}">
-        <p14:creationId xmlns:p14="http://schemas.microsoft.com/office/powerpoint/2010/main" val="1264975641"/>
+        <p14:creationId xmlns:p14="http://schemas.microsoft.com/office/powerpoint/2010/main" val="2939054782"/>
       </p:ext>
     </p:extLst>
   </p:cSld>
@@ -4938,7 +5139,7 @@
           <p:cNvPr id="2" name="Title 1">
             <a:extLst>
               <a:ext uri="{FF2B5EF4-FFF2-40B4-BE49-F238E27FC236}">
-                <a16:creationId xmlns:a16="http://schemas.microsoft.com/office/drawing/2014/main" id="{063C45F0-89D2-4657-882E-DA7CD6F40220}"/>
+                <a16:creationId xmlns:a16="http://schemas.microsoft.com/office/drawing/2014/main" id="{257DA0E4-92F2-46FF-8796-091B2FDE9AD1}"/>
               </a:ext>
             </a:extLst>
           </p:cNvPr>
@@ -4956,7 +5157,7 @@
           <a:p>
             <a:r>
               <a:rPr lang="en-US" dirty="0"/>
-              <a:t>Example</a:t>
+              <a:t>Discrete cosine transform</a:t>
             </a:r>
           </a:p>
         </p:txBody>
@@ -4966,7 +5167,7 @@
           <p:cNvPr id="3" name="Content Placeholder 2">
             <a:extLst>
               <a:ext uri="{FF2B5EF4-FFF2-40B4-BE49-F238E27FC236}">
-                <a16:creationId xmlns:a16="http://schemas.microsoft.com/office/drawing/2014/main" id="{F3CC7D4D-D2EA-49FC-B388-A48428929A30}"/>
+                <a16:creationId xmlns:a16="http://schemas.microsoft.com/office/drawing/2014/main" id="{DA0CFE40-8C04-4769-8246-4757CCD53D35}"/>
               </a:ext>
             </a:extLst>
           </p:cNvPr>
@@ -4982,14 +5183,113 @@
           <a:bodyPr/>
           <a:lstStyle/>
           <a:p>
-            <a:endParaRPr lang="en-US"/>
-          </a:p>
-        </p:txBody>
-      </p:sp>
+            <a:r>
+              <a:rPr lang="en-US" dirty="0"/>
+              <a:t>Represents 8x8 block of pixels as</a:t>
+            </a:r>
+          </a:p>
+          <a:p>
+            <a:pPr marL="0" indent="0">
+              <a:buNone/>
+            </a:pPr>
+            <a:r>
+              <a:rPr lang="en-US" dirty="0"/>
+              <a:t>   weights of this chart</a:t>
+            </a:r>
+          </a:p>
+          <a:p>
+            <a:r>
+              <a:rPr lang="en-US" dirty="0"/>
+              <a:t>For example, a black “A” on white</a:t>
+            </a:r>
+          </a:p>
+          <a:p>
+            <a:pPr marL="0" indent="0">
+              <a:buNone/>
+            </a:pPr>
+            <a:r>
+              <a:rPr lang="en-US" dirty="0"/>
+              <a:t>   background</a:t>
+            </a:r>
+          </a:p>
+        </p:txBody>
+      </p:sp>
+      <p:pic>
+        <p:nvPicPr>
+          <p:cNvPr id="9" name="Picture 8" descr="A screen shot of a window&#10;&#10;Description automatically generated">
+            <a:extLst>
+              <a:ext uri="{FF2B5EF4-FFF2-40B4-BE49-F238E27FC236}">
+                <a16:creationId xmlns:a16="http://schemas.microsoft.com/office/drawing/2014/main" id="{5C0CA914-DFDD-40D0-B9ED-C5457201D0C7}"/>
+              </a:ext>
+            </a:extLst>
+          </p:cNvPr>
+          <p:cNvPicPr>
+            <a:picLocks noChangeAspect="1"/>
+          </p:cNvPicPr>
+          <p:nvPr/>
+        </p:nvPicPr>
+        <p:blipFill>
+          <a:blip r:embed="rId2">
+            <a:extLst>
+              <a:ext uri="{28A0092B-C50C-407E-A947-70E740481C1C}">
+                <a14:useLocalDpi xmlns:a14="http://schemas.microsoft.com/office/drawing/2010/main" val="0"/>
+              </a:ext>
+            </a:extLst>
+          </a:blip>
+          <a:stretch>
+            <a:fillRect/>
+          </a:stretch>
+        </p:blipFill>
+        <p:spPr>
+          <a:xfrm>
+            <a:off x="7109928" y="1775702"/>
+            <a:ext cx="4861120" cy="4861120"/>
+          </a:xfrm>
+          <a:prstGeom prst="rect">
+            <a:avLst/>
+          </a:prstGeom>
+        </p:spPr>
+      </p:pic>
+      <p:pic>
+        <p:nvPicPr>
+          <p:cNvPr id="13" name="Picture 12" descr="A close up of a logo&#10;&#10;Description automatically generated">
+            <a:extLst>
+              <a:ext uri="{FF2B5EF4-FFF2-40B4-BE49-F238E27FC236}">
+                <a16:creationId xmlns:a16="http://schemas.microsoft.com/office/drawing/2014/main" id="{17E61B60-7155-4D37-8377-BAC559FE8D61}"/>
+              </a:ext>
+            </a:extLst>
+          </p:cNvPr>
+          <p:cNvPicPr>
+            <a:picLocks noChangeAspect="1"/>
+          </p:cNvPicPr>
+          <p:nvPr/>
+        </p:nvPicPr>
+        <p:blipFill>
+          <a:blip r:embed="rId3">
+            <a:extLst>
+              <a:ext uri="{28A0092B-C50C-407E-A947-70E740481C1C}">
+                <a14:useLocalDpi xmlns:a14="http://schemas.microsoft.com/office/drawing/2010/main" val="0"/>
+              </a:ext>
+            </a:extLst>
+          </a:blip>
+          <a:stretch>
+            <a:fillRect/>
+          </a:stretch>
+        </p:blipFill>
+        <p:spPr>
+          <a:xfrm>
+            <a:off x="1234881" y="4859055"/>
+            <a:ext cx="4861119" cy="1633820"/>
+          </a:xfrm>
+          <a:prstGeom prst="rect">
+            <a:avLst/>
+          </a:prstGeom>
+        </p:spPr>
+      </p:pic>
     </p:spTree>
     <p:extLst>
       <p:ext uri="{BB962C8B-B14F-4D97-AF65-F5344CB8AC3E}">
-        <p14:creationId xmlns:p14="http://schemas.microsoft.com/office/powerpoint/2010/main" val="2438280253"/>
+        <p14:creationId xmlns:p14="http://schemas.microsoft.com/office/powerpoint/2010/main" val="3713360684"/>
       </p:ext>
     </p:extLst>
   </p:cSld>

--- a/Documents/Presentation.pptx
+++ b/Documents/Presentation.pptx
@@ -16,8 +16,7 @@
     <p:sldId id="268" r:id="rId10"/>
     <p:sldId id="259" r:id="rId11"/>
     <p:sldId id="260" r:id="rId12"/>
-    <p:sldId id="261" r:id="rId13"/>
-    <p:sldId id="262" r:id="rId14"/>
+    <p:sldId id="262" r:id="rId13"/>
   </p:sldIdLst>
   <p:sldSz cx="12192000" cy="6858000"/>
   <p:notesSz cx="6858000" cy="9144000"/>
@@ -271,7 +270,7 @@
           <a:p>
             <a:fld id="{546F50B6-7186-46B7-9A3A-D1973F40F53C}" type="datetimeFigureOut">
               <a:rPr lang="en-US" smtClean="0"/>
-              <a:t>1/20/2020</a:t>
+              <a:t>1/21/2020</a:t>
             </a:fld>
             <a:endParaRPr lang="en-US"/>
           </a:p>
@@ -469,7 +468,7 @@
           <a:p>
             <a:fld id="{546F50B6-7186-46B7-9A3A-D1973F40F53C}" type="datetimeFigureOut">
               <a:rPr lang="en-US" smtClean="0"/>
-              <a:t>1/20/2020</a:t>
+              <a:t>1/21/2020</a:t>
             </a:fld>
             <a:endParaRPr lang="en-US"/>
           </a:p>
@@ -677,7 +676,7 @@
           <a:p>
             <a:fld id="{546F50B6-7186-46B7-9A3A-D1973F40F53C}" type="datetimeFigureOut">
               <a:rPr lang="en-US" smtClean="0"/>
-              <a:t>1/20/2020</a:t>
+              <a:t>1/21/2020</a:t>
             </a:fld>
             <a:endParaRPr lang="en-US"/>
           </a:p>
@@ -875,7 +874,7 @@
           <a:p>
             <a:fld id="{546F50B6-7186-46B7-9A3A-D1973F40F53C}" type="datetimeFigureOut">
               <a:rPr lang="en-US" smtClean="0"/>
-              <a:t>1/20/2020</a:t>
+              <a:t>1/21/2020</a:t>
             </a:fld>
             <a:endParaRPr lang="en-US"/>
           </a:p>
@@ -1150,7 +1149,7 @@
           <a:p>
             <a:fld id="{546F50B6-7186-46B7-9A3A-D1973F40F53C}" type="datetimeFigureOut">
               <a:rPr lang="en-US" smtClean="0"/>
-              <a:t>1/20/2020</a:t>
+              <a:t>1/21/2020</a:t>
             </a:fld>
             <a:endParaRPr lang="en-US"/>
           </a:p>
@@ -1415,7 +1414,7 @@
           <a:p>
             <a:fld id="{546F50B6-7186-46B7-9A3A-D1973F40F53C}" type="datetimeFigureOut">
               <a:rPr lang="en-US" smtClean="0"/>
-              <a:t>1/20/2020</a:t>
+              <a:t>1/21/2020</a:t>
             </a:fld>
             <a:endParaRPr lang="en-US"/>
           </a:p>
@@ -1827,7 +1826,7 @@
           <a:p>
             <a:fld id="{546F50B6-7186-46B7-9A3A-D1973F40F53C}" type="datetimeFigureOut">
               <a:rPr lang="en-US" smtClean="0"/>
-              <a:t>1/20/2020</a:t>
+              <a:t>1/21/2020</a:t>
             </a:fld>
             <a:endParaRPr lang="en-US"/>
           </a:p>
@@ -1968,7 +1967,7 @@
           <a:p>
             <a:fld id="{546F50B6-7186-46B7-9A3A-D1973F40F53C}" type="datetimeFigureOut">
               <a:rPr lang="en-US" smtClean="0"/>
-              <a:t>1/20/2020</a:t>
+              <a:t>1/21/2020</a:t>
             </a:fld>
             <a:endParaRPr lang="en-US"/>
           </a:p>
@@ -2081,7 +2080,7 @@
           <a:p>
             <a:fld id="{546F50B6-7186-46B7-9A3A-D1973F40F53C}" type="datetimeFigureOut">
               <a:rPr lang="en-US" smtClean="0"/>
-              <a:t>1/20/2020</a:t>
+              <a:t>1/21/2020</a:t>
             </a:fld>
             <a:endParaRPr lang="en-US"/>
           </a:p>
@@ -2392,7 +2391,7 @@
           <a:p>
             <a:fld id="{546F50B6-7186-46B7-9A3A-D1973F40F53C}" type="datetimeFigureOut">
               <a:rPr lang="en-US" smtClean="0"/>
-              <a:t>1/20/2020</a:t>
+              <a:t>1/21/2020</a:t>
             </a:fld>
             <a:endParaRPr lang="en-US"/>
           </a:p>
@@ -2680,7 +2679,7 @@
           <a:p>
             <a:fld id="{546F50B6-7186-46B7-9A3A-D1973F40F53C}" type="datetimeFigureOut">
               <a:rPr lang="en-US" smtClean="0"/>
-              <a:t>1/20/2020</a:t>
+              <a:t>1/21/2020</a:t>
             </a:fld>
             <a:endParaRPr lang="en-US"/>
           </a:p>
@@ -2921,7 +2920,7 @@
           <a:p>
             <a:fld id="{546F50B6-7186-46B7-9A3A-D1973F40F53C}" type="datetimeFigureOut">
               <a:rPr lang="en-US" smtClean="0"/>
-              <a:t>1/20/2020</a:t>
+              <a:t>1/21/2020</a:t>
             </a:fld>
             <a:endParaRPr lang="en-US"/>
           </a:p>
@@ -3636,89 +3635,6 @@
           <p:cNvPr id="2" name="Title 1">
             <a:extLst>
               <a:ext uri="{FF2B5EF4-FFF2-40B4-BE49-F238E27FC236}">
-                <a16:creationId xmlns:a16="http://schemas.microsoft.com/office/drawing/2014/main" id="{D8D4BA70-8AD6-49C4-8FEC-58E4A47A1C8D}"/>
-              </a:ext>
-            </a:extLst>
-          </p:cNvPr>
-          <p:cNvSpPr>
-            <a:spLocks noGrp="1"/>
-          </p:cNvSpPr>
-          <p:nvPr>
-            <p:ph type="title"/>
-          </p:nvPr>
-        </p:nvSpPr>
-        <p:spPr/>
-        <p:txBody>
-          <a:bodyPr/>
-          <a:lstStyle/>
-          <a:p>
-            <a:r>
-              <a:rPr lang="en-US" dirty="0"/>
-              <a:t>Activity</a:t>
-            </a:r>
-          </a:p>
-        </p:txBody>
-      </p:sp>
-      <p:sp>
-        <p:nvSpPr>
-          <p:cNvPr id="3" name="Content Placeholder 2">
-            <a:extLst>
-              <a:ext uri="{FF2B5EF4-FFF2-40B4-BE49-F238E27FC236}">
-                <a16:creationId xmlns:a16="http://schemas.microsoft.com/office/drawing/2014/main" id="{1825719B-AD83-4EB5-82A9-7EDE47E6637E}"/>
-              </a:ext>
-            </a:extLst>
-          </p:cNvPr>
-          <p:cNvSpPr>
-            <a:spLocks noGrp="1"/>
-          </p:cNvSpPr>
-          <p:nvPr>
-            <p:ph idx="1"/>
-          </p:nvPr>
-        </p:nvSpPr>
-        <p:spPr/>
-        <p:txBody>
-          <a:bodyPr/>
-          <a:lstStyle/>
-          <a:p>
-            <a:endParaRPr lang="en-US"/>
-          </a:p>
-        </p:txBody>
-      </p:sp>
-    </p:spTree>
-    <p:extLst>
-      <p:ext uri="{BB962C8B-B14F-4D97-AF65-F5344CB8AC3E}">
-        <p14:creationId xmlns:p14="http://schemas.microsoft.com/office/powerpoint/2010/main" val="1270555795"/>
-      </p:ext>
-    </p:extLst>
-  </p:cSld>
-  <p:clrMapOvr>
-    <a:masterClrMapping/>
-  </p:clrMapOvr>
-</p:sld>
-</file>
-
-<file path=ppt/slides/slide13.xml><?xml version="1.0" encoding="utf-8"?>
-<p:sld xmlns:a="http://schemas.openxmlformats.org/drawingml/2006/main" xmlns:r="http://schemas.openxmlformats.org/officeDocument/2006/relationships" xmlns:p="http://schemas.openxmlformats.org/presentationml/2006/main">
-  <p:cSld>
-    <p:spTree>
-      <p:nvGrpSpPr>
-        <p:cNvPr id="1" name=""/>
-        <p:cNvGrpSpPr/>
-        <p:nvPr/>
-      </p:nvGrpSpPr>
-      <p:grpSpPr>
-        <a:xfrm>
-          <a:off x="0" y="0"/>
-          <a:ext cx="0" cy="0"/>
-          <a:chOff x="0" y="0"/>
-          <a:chExt cx="0" cy="0"/>
-        </a:xfrm>
-      </p:grpSpPr>
-      <p:sp>
-        <p:nvSpPr>
-          <p:cNvPr id="2" name="Title 1">
-            <a:extLst>
-              <a:ext uri="{FF2B5EF4-FFF2-40B4-BE49-F238E27FC236}">
                 <a16:creationId xmlns:a16="http://schemas.microsoft.com/office/drawing/2014/main" id="{7E477A64-8382-4987-839D-01B8EF44D427}"/>
               </a:ext>
             </a:extLst>
@@ -3780,34 +3696,6 @@
       </p:grpSpPr>
       <p:sp>
         <p:nvSpPr>
-          <p:cNvPr id="2" name="Title 1">
-            <a:extLst>
-              <a:ext uri="{FF2B5EF4-FFF2-40B4-BE49-F238E27FC236}">
-                <a16:creationId xmlns:a16="http://schemas.microsoft.com/office/drawing/2014/main" id="{AA097516-E0AC-4546-98B5-7EA4D2768216}"/>
-              </a:ext>
-            </a:extLst>
-          </p:cNvPr>
-          <p:cNvSpPr>
-            <a:spLocks noGrp="1"/>
-          </p:cNvSpPr>
-          <p:nvPr>
-            <p:ph type="title"/>
-          </p:nvPr>
-        </p:nvSpPr>
-        <p:spPr/>
-        <p:txBody>
-          <a:bodyPr/>
-          <a:lstStyle/>
-          <a:p>
-            <a:r>
-              <a:rPr lang="en-US" dirty="0"/>
-              <a:t>Steganography 	  vs    Cryptography</a:t>
-            </a:r>
-          </a:p>
-        </p:txBody>
-      </p:sp>
-      <p:sp>
-        <p:nvSpPr>
           <p:cNvPr id="3" name="Content Placeholder 2">
             <a:extLst>
               <a:ext uri="{FF2B5EF4-FFF2-40B4-BE49-F238E27FC236}">
@@ -3824,32 +3712,48 @@
         </p:nvSpPr>
         <p:spPr>
           <a:xfrm>
-            <a:off x="838200" y="1825625"/>
-            <a:ext cx="4564310" cy="4351338"/>
+            <a:off x="552450" y="361951"/>
+            <a:ext cx="5313551" cy="5538788"/>
           </a:xfrm>
         </p:spPr>
         <p:txBody>
           <a:bodyPr/>
           <a:lstStyle/>
           <a:p>
-            <a:r>
-              <a:rPr lang="en-US" dirty="0" err="1"/>
+            <a:pPr marL="0" indent="0" algn="ctr">
+              <a:buNone/>
+            </a:pPr>
+            <a:r>
+              <a:rPr lang="en-US" sz="4400" dirty="0"/>
+              <a:t>Steganography</a:t>
+            </a:r>
+            <a:endParaRPr lang="en-US" dirty="0"/>
+          </a:p>
+          <a:p>
+            <a:r>
+              <a:rPr lang="en-US" sz="3200" dirty="0" err="1"/>
               <a:t>Steganos</a:t>
             </a:r>
             <a:r>
-              <a:rPr lang="en-US" dirty="0"/>
+              <a:rPr lang="en-US" sz="3200" dirty="0"/>
               <a:t> – covered/secret</a:t>
             </a:r>
           </a:p>
           <a:p>
             <a:r>
-              <a:rPr lang="en-US" dirty="0"/>
+              <a:rPr lang="en-US" sz="3200" dirty="0"/>
+              <a:t>Hides the location of information</a:t>
+            </a:r>
+          </a:p>
+          <a:p>
+            <a:r>
+              <a:rPr lang="en-US" sz="3200" dirty="0"/>
               <a:t>Locational key</a:t>
             </a:r>
           </a:p>
           <a:p>
             <a:r>
-              <a:rPr lang="en-US" dirty="0"/>
+              <a:rPr lang="en-US" sz="3200" dirty="0"/>
               <a:t>Invisible ink</a:t>
             </a:r>
           </a:p>
@@ -3874,8 +3778,8 @@
         </p:nvSpPr>
         <p:spPr>
           <a:xfrm>
-            <a:off x="5805881" y="1825625"/>
-            <a:ext cx="5084428" cy="4351338"/>
+            <a:off x="5750132" y="361951"/>
+            <a:ext cx="5889418" cy="5538787"/>
           </a:xfrm>
           <a:prstGeom prst="rect">
             <a:avLst/>
@@ -4050,29 +3954,139 @@
             </a:lvl9pPr>
           </a:lstStyle>
           <a:p>
-            <a:r>
-              <a:rPr lang="en-US" dirty="0" err="1"/>
+            <a:pPr marL="0" indent="0" algn="ctr">
+              <a:buNone/>
+            </a:pPr>
+            <a:r>
+              <a:rPr lang="en-US" sz="4400" dirty="0"/>
+              <a:t>Cryptography</a:t>
+            </a:r>
+            <a:endParaRPr lang="en-US" dirty="0"/>
+          </a:p>
+          <a:p>
+            <a:r>
+              <a:rPr lang="en-US" sz="3200" dirty="0" err="1"/>
               <a:t>Krytpos</a:t>
             </a:r>
             <a:r>
-              <a:rPr lang="en-US" dirty="0"/>
+              <a:rPr lang="en-US" sz="3200" dirty="0"/>
               <a:t> – secret/hidden</a:t>
             </a:r>
           </a:p>
           <a:p>
             <a:r>
-              <a:rPr lang="en-US" dirty="0"/>
+              <a:rPr lang="en-US" sz="3200" dirty="0"/>
+              <a:t>Hides the translation of information</a:t>
+            </a:r>
+          </a:p>
+          <a:p>
+            <a:r>
+              <a:rPr lang="en-US" sz="3200" dirty="0"/>
               <a:t>Mathematical key</a:t>
             </a:r>
           </a:p>
           <a:p>
             <a:r>
-              <a:rPr lang="en-US" dirty="0"/>
-              <a:t>German’s Enigma Machine</a:t>
-            </a:r>
-          </a:p>
-        </p:txBody>
-      </p:sp>
+              <a:rPr lang="en-US" sz="3200" dirty="0"/>
+              <a:t>German Enigma Machine</a:t>
+            </a:r>
+          </a:p>
+        </p:txBody>
+      </p:sp>
+      <p:pic>
+        <p:nvPicPr>
+          <p:cNvPr id="1026" name="Picture 2" descr="Image result for ink bottle clip art">
+            <a:extLst>
+              <a:ext uri="{FF2B5EF4-FFF2-40B4-BE49-F238E27FC236}">
+                <a16:creationId xmlns:a16="http://schemas.microsoft.com/office/drawing/2014/main" id="{5105B727-45A2-4D95-93C1-E47909BCBDBA}"/>
+              </a:ext>
+            </a:extLst>
+          </p:cNvPr>
+          <p:cNvPicPr>
+            <a:picLocks noChangeAspect="1" noChangeArrowheads="1"/>
+          </p:cNvPicPr>
+          <p:nvPr/>
+        </p:nvPicPr>
+        <p:blipFill>
+          <a:blip r:embed="rId2">
+            <a:extLst>
+              <a:ext uri="{28A0092B-C50C-407E-A947-70E740481C1C}">
+                <a14:useLocalDpi xmlns:a14="http://schemas.microsoft.com/office/drawing/2010/main" val="0"/>
+              </a:ext>
+            </a:extLst>
+          </a:blip>
+          <a:srcRect/>
+          <a:stretch>
+            <a:fillRect/>
+          </a:stretch>
+        </p:blipFill>
+        <p:spPr bwMode="auto">
+          <a:xfrm>
+            <a:off x="1693616" y="4120699"/>
+            <a:ext cx="1221035" cy="1780039"/>
+          </a:xfrm>
+          <a:prstGeom prst="rect">
+            <a:avLst/>
+          </a:prstGeom>
+          <a:noFill/>
+          <a:extLst>
+            <a:ext uri="{909E8E84-426E-40DD-AFC4-6F175D3DCCD1}">
+              <a14:hiddenFill xmlns:a14="http://schemas.microsoft.com/office/drawing/2010/main">
+                <a:solidFill>
+                  <a:srgbClr val="FFFFFF"/>
+                </a:solidFill>
+              </a14:hiddenFill>
+            </a:ext>
+          </a:extLst>
+        </p:spPr>
+      </p:pic>
+      <p:pic>
+        <p:nvPicPr>
+          <p:cNvPr id="1028" name="Picture 4" descr="Image result for german enigma machine">
+            <a:extLst>
+              <a:ext uri="{FF2B5EF4-FFF2-40B4-BE49-F238E27FC236}">
+                <a16:creationId xmlns:a16="http://schemas.microsoft.com/office/drawing/2014/main" id="{1E78DB9A-267B-41D2-87B9-A7BB25C29D92}"/>
+              </a:ext>
+            </a:extLst>
+          </p:cNvPr>
+          <p:cNvPicPr>
+            <a:picLocks noChangeAspect="1" noChangeArrowheads="1"/>
+          </p:cNvPicPr>
+          <p:nvPr/>
+        </p:nvPicPr>
+        <p:blipFill>
+          <a:blip r:embed="rId3">
+            <a:extLst>
+              <a:ext uri="{28A0092B-C50C-407E-A947-70E740481C1C}">
+                <a14:useLocalDpi xmlns:a14="http://schemas.microsoft.com/office/drawing/2010/main" val="0"/>
+              </a:ext>
+            </a:extLst>
+          </a:blip>
+          <a:srcRect/>
+          <a:stretch>
+            <a:fillRect/>
+          </a:stretch>
+        </p:blipFill>
+        <p:spPr bwMode="auto">
+          <a:xfrm flipH="1">
+            <a:off x="7284776" y="3849820"/>
+            <a:ext cx="2490512" cy="2539469"/>
+          </a:xfrm>
+          <a:prstGeom prst="rect">
+            <a:avLst/>
+          </a:prstGeom>
+          <a:noFill/>
+          <a:extLst>
+            <a:ext uri="{909E8E84-426E-40DD-AFC4-6F175D3DCCD1}">
+              <a14:hiddenFill xmlns:a14="http://schemas.microsoft.com/office/drawing/2010/main">
+                <a:solidFill>
+                  <a:srgbClr val="FFFFFF"/>
+                </a:solidFill>
+              </a14:hiddenFill>
+            </a:ext>
+          </a:extLst>
+        </p:spPr>
+      </p:pic>
     </p:spTree>
     <p:extLst>
       <p:ext uri="{BB962C8B-B14F-4D97-AF65-F5344CB8AC3E}">

--- a/Documents/Presentation.pptx
+++ b/Documents/Presentation.pptx
@@ -10,13 +10,14 @@
     <p:sldId id="257" r:id="rId4"/>
     <p:sldId id="264" r:id="rId5"/>
     <p:sldId id="266" r:id="rId6"/>
-    <p:sldId id="258" r:id="rId7"/>
+    <p:sldId id="269" r:id="rId7"/>
     <p:sldId id="265" r:id="rId8"/>
-    <p:sldId id="267" r:id="rId9"/>
-    <p:sldId id="268" r:id="rId10"/>
-    <p:sldId id="259" r:id="rId11"/>
-    <p:sldId id="260" r:id="rId12"/>
-    <p:sldId id="262" r:id="rId13"/>
+    <p:sldId id="258" r:id="rId9"/>
+    <p:sldId id="267" r:id="rId10"/>
+    <p:sldId id="268" r:id="rId11"/>
+    <p:sldId id="259" r:id="rId12"/>
+    <p:sldId id="260" r:id="rId13"/>
+    <p:sldId id="262" r:id="rId14"/>
   </p:sldIdLst>
   <p:sldSz cx="12192000" cy="6858000"/>
   <p:notesSz cx="6858000" cy="9144000"/>
@@ -3361,14 +3362,14 @@
           <a:lstStyle/>
           <a:p>
             <a:r>
-              <a:rPr lang="en-US" dirty="0"/>
+              <a:rPr lang="en-US" sz="8000" dirty="0"/>
               <a:t>Steganography</a:t>
             </a:r>
             <a:br>
               <a:rPr lang="en-US" dirty="0"/>
             </a:br>
             <a:r>
-              <a:rPr lang="en-US" sz="2800" dirty="0"/>
+              <a:rPr lang="en-US" sz="3600" dirty="0"/>
               <a:t>Hiding information in plain sight</a:t>
             </a:r>
             <a:endParaRPr lang="en-US" dirty="0"/>
@@ -3451,7 +3452,7 @@
           <p:cNvPr id="2" name="Title 1">
             <a:extLst>
               <a:ext uri="{FF2B5EF4-FFF2-40B4-BE49-F238E27FC236}">
-                <a16:creationId xmlns:a16="http://schemas.microsoft.com/office/drawing/2014/main" id="{188C3C5B-0284-4A9F-95C1-2DB7BD15C05D}"/>
+                <a16:creationId xmlns:a16="http://schemas.microsoft.com/office/drawing/2014/main" id="{257DA0E4-92F2-46FF-8796-091B2FDE9AD1}"/>
               </a:ext>
             </a:extLst>
           </p:cNvPr>
@@ -3469,22 +3470,7 @@
           <a:p>
             <a:r>
               <a:rPr lang="en-US" dirty="0"/>
-              <a:t>The </a:t>
-            </a:r>
-            <a:r>
-              <a:rPr lang="en-US" b="1" dirty="0">
-                <a:latin typeface="GreekC" panose="00000400000000000000" pitchFamily="2" charset="0"/>
-                <a:cs typeface="GreekC" panose="00000400000000000000" pitchFamily="2" charset="0"/>
-              </a:rPr>
-              <a:t>c</a:t>
-            </a:r>
-            <a:r>
-              <a:rPr lang="en-US" baseline="30000" dirty="0"/>
-              <a:t>2</a:t>
-            </a:r>
-            <a:r>
-              <a:rPr lang="en-US" dirty="0"/>
-              <a:t> attack</a:t>
+              <a:t>Discrete cosine transform</a:t>
             </a:r>
           </a:p>
         </p:txBody>
@@ -3494,7 +3480,7 @@
           <p:cNvPr id="3" name="Content Placeholder 2">
             <a:extLst>
               <a:ext uri="{FF2B5EF4-FFF2-40B4-BE49-F238E27FC236}">
-                <a16:creationId xmlns:a16="http://schemas.microsoft.com/office/drawing/2014/main" id="{AC4D4EF4-3E7F-4133-B3D7-374DD688A391}"/>
+                <a16:creationId xmlns:a16="http://schemas.microsoft.com/office/drawing/2014/main" id="{DA0CFE40-8C04-4769-8246-4757CCD53D35}"/>
               </a:ext>
             </a:extLst>
           </p:cNvPr>
@@ -3512,15 +3498,111 @@
           <a:p>
             <a:r>
               <a:rPr lang="en-US" dirty="0"/>
-              <a:t>Histogram of DCT coefficients</a:t>
-            </a:r>
-          </a:p>
-        </p:txBody>
-      </p:sp>
+              <a:t>Represents 8x8 block of pixels as</a:t>
+            </a:r>
+          </a:p>
+          <a:p>
+            <a:pPr marL="0" indent="0">
+              <a:buNone/>
+            </a:pPr>
+            <a:r>
+              <a:rPr lang="en-US" dirty="0"/>
+              <a:t>   weights of this chart</a:t>
+            </a:r>
+          </a:p>
+          <a:p>
+            <a:r>
+              <a:rPr lang="en-US" dirty="0"/>
+              <a:t>For example, a black “A” on white</a:t>
+            </a:r>
+          </a:p>
+          <a:p>
+            <a:pPr marL="0" indent="0">
+              <a:buNone/>
+            </a:pPr>
+            <a:r>
+              <a:rPr lang="en-US" dirty="0"/>
+              <a:t>   background</a:t>
+            </a:r>
+          </a:p>
+        </p:txBody>
+      </p:sp>
+      <p:pic>
+        <p:nvPicPr>
+          <p:cNvPr id="9" name="Picture 8" descr="A screen shot of a window&#10;&#10;Description automatically generated">
+            <a:extLst>
+              <a:ext uri="{FF2B5EF4-FFF2-40B4-BE49-F238E27FC236}">
+                <a16:creationId xmlns:a16="http://schemas.microsoft.com/office/drawing/2014/main" id="{5C0CA914-DFDD-40D0-B9ED-C5457201D0C7}"/>
+              </a:ext>
+            </a:extLst>
+          </p:cNvPr>
+          <p:cNvPicPr>
+            <a:picLocks noChangeAspect="1"/>
+          </p:cNvPicPr>
+          <p:nvPr/>
+        </p:nvPicPr>
+        <p:blipFill>
+          <a:blip r:embed="rId2">
+            <a:extLst>
+              <a:ext uri="{28A0092B-C50C-407E-A947-70E740481C1C}">
+                <a14:useLocalDpi xmlns:a14="http://schemas.microsoft.com/office/drawing/2010/main" val="0"/>
+              </a:ext>
+            </a:extLst>
+          </a:blip>
+          <a:stretch>
+            <a:fillRect/>
+          </a:stretch>
+        </p:blipFill>
+        <p:spPr>
+          <a:xfrm>
+            <a:off x="7109928" y="1775702"/>
+            <a:ext cx="4861120" cy="4861120"/>
+          </a:xfrm>
+          <a:prstGeom prst="rect">
+            <a:avLst/>
+          </a:prstGeom>
+        </p:spPr>
+      </p:pic>
+      <p:pic>
+        <p:nvPicPr>
+          <p:cNvPr id="13" name="Picture 12" descr="A close up of a logo&#10;&#10;Description automatically generated">
+            <a:extLst>
+              <a:ext uri="{FF2B5EF4-FFF2-40B4-BE49-F238E27FC236}">
+                <a16:creationId xmlns:a16="http://schemas.microsoft.com/office/drawing/2014/main" id="{17E61B60-7155-4D37-8377-BAC559FE8D61}"/>
+              </a:ext>
+            </a:extLst>
+          </p:cNvPr>
+          <p:cNvPicPr>
+            <a:picLocks noChangeAspect="1"/>
+          </p:cNvPicPr>
+          <p:nvPr/>
+        </p:nvPicPr>
+        <p:blipFill>
+          <a:blip r:embed="rId3">
+            <a:extLst>
+              <a:ext uri="{28A0092B-C50C-407E-A947-70E740481C1C}">
+                <a14:useLocalDpi xmlns:a14="http://schemas.microsoft.com/office/drawing/2010/main" val="0"/>
+              </a:ext>
+            </a:extLst>
+          </a:blip>
+          <a:stretch>
+            <a:fillRect/>
+          </a:stretch>
+        </p:blipFill>
+        <p:spPr>
+          <a:xfrm>
+            <a:off x="1234881" y="4859055"/>
+            <a:ext cx="4861119" cy="1633820"/>
+          </a:xfrm>
+          <a:prstGeom prst="rect">
+            <a:avLst/>
+          </a:prstGeom>
+        </p:spPr>
+      </p:pic>
     </p:spTree>
     <p:extLst>
       <p:ext uri="{BB962C8B-B14F-4D97-AF65-F5344CB8AC3E}">
-        <p14:creationId xmlns:p14="http://schemas.microsoft.com/office/powerpoint/2010/main" val="1264975641"/>
+        <p14:creationId xmlns:p14="http://schemas.microsoft.com/office/powerpoint/2010/main" val="3713360684"/>
       </p:ext>
     </p:extLst>
   </p:cSld>
@@ -3552,6 +3634,107 @@
           <p:cNvPr id="2" name="Title 1">
             <a:extLst>
               <a:ext uri="{FF2B5EF4-FFF2-40B4-BE49-F238E27FC236}">
+                <a16:creationId xmlns:a16="http://schemas.microsoft.com/office/drawing/2014/main" id="{188C3C5B-0284-4A9F-95C1-2DB7BD15C05D}"/>
+              </a:ext>
+            </a:extLst>
+          </p:cNvPr>
+          <p:cNvSpPr>
+            <a:spLocks noGrp="1"/>
+          </p:cNvSpPr>
+          <p:nvPr>
+            <p:ph type="title"/>
+          </p:nvPr>
+        </p:nvSpPr>
+        <p:spPr/>
+        <p:txBody>
+          <a:bodyPr/>
+          <a:lstStyle/>
+          <a:p>
+            <a:r>
+              <a:rPr lang="en-US" dirty="0"/>
+              <a:t>The </a:t>
+            </a:r>
+            <a:r>
+              <a:rPr lang="en-US" b="1" dirty="0">
+                <a:latin typeface="GreekC" panose="00000400000000000000" pitchFamily="2" charset="0"/>
+                <a:cs typeface="GreekC" panose="00000400000000000000" pitchFamily="2" charset="0"/>
+              </a:rPr>
+              <a:t>c</a:t>
+            </a:r>
+            <a:r>
+              <a:rPr lang="en-US" baseline="30000" dirty="0"/>
+              <a:t>2</a:t>
+            </a:r>
+            <a:r>
+              <a:rPr lang="en-US" dirty="0"/>
+              <a:t> attack</a:t>
+            </a:r>
+          </a:p>
+        </p:txBody>
+      </p:sp>
+      <p:sp>
+        <p:nvSpPr>
+          <p:cNvPr id="3" name="Content Placeholder 2">
+            <a:extLst>
+              <a:ext uri="{FF2B5EF4-FFF2-40B4-BE49-F238E27FC236}">
+                <a16:creationId xmlns:a16="http://schemas.microsoft.com/office/drawing/2014/main" id="{AC4D4EF4-3E7F-4133-B3D7-374DD688A391}"/>
+              </a:ext>
+            </a:extLst>
+          </p:cNvPr>
+          <p:cNvSpPr>
+            <a:spLocks noGrp="1"/>
+          </p:cNvSpPr>
+          <p:nvPr>
+            <p:ph idx="1"/>
+          </p:nvPr>
+        </p:nvSpPr>
+        <p:spPr/>
+        <p:txBody>
+          <a:bodyPr/>
+          <a:lstStyle/>
+          <a:p>
+            <a:r>
+              <a:rPr lang="en-US" dirty="0"/>
+              <a:t>Histogram of DCT coefficients</a:t>
+            </a:r>
+          </a:p>
+        </p:txBody>
+      </p:sp>
+    </p:spTree>
+    <p:extLst>
+      <p:ext uri="{BB962C8B-B14F-4D97-AF65-F5344CB8AC3E}">
+        <p14:creationId xmlns:p14="http://schemas.microsoft.com/office/powerpoint/2010/main" val="1264975641"/>
+      </p:ext>
+    </p:extLst>
+  </p:cSld>
+  <p:clrMapOvr>
+    <a:masterClrMapping/>
+  </p:clrMapOvr>
+</p:sld>
+</file>
+
+<file path=ppt/slides/slide12.xml><?xml version="1.0" encoding="utf-8"?>
+<p:sld xmlns:a="http://schemas.openxmlformats.org/drawingml/2006/main" xmlns:r="http://schemas.openxmlformats.org/officeDocument/2006/relationships" xmlns:p="http://schemas.openxmlformats.org/presentationml/2006/main">
+  <p:cSld>
+    <p:spTree>
+      <p:nvGrpSpPr>
+        <p:cNvPr id="1" name=""/>
+        <p:cNvGrpSpPr/>
+        <p:nvPr/>
+      </p:nvGrpSpPr>
+      <p:grpSpPr>
+        <a:xfrm>
+          <a:off x="0" y="0"/>
+          <a:ext cx="0" cy="0"/>
+          <a:chOff x="0" y="0"/>
+          <a:chExt cx="0" cy="0"/>
+        </a:xfrm>
+      </p:grpSpPr>
+      <p:sp>
+        <p:nvSpPr>
+          <p:cNvPr id="2" name="Title 1">
+            <a:extLst>
+              <a:ext uri="{FF2B5EF4-FFF2-40B4-BE49-F238E27FC236}">
                 <a16:creationId xmlns:a16="http://schemas.microsoft.com/office/drawing/2014/main" id="{063C45F0-89D2-4657-882E-DA7CD6F40220}"/>
               </a:ext>
             </a:extLst>
@@ -3613,7 +3796,7 @@
 </p:sld>
 </file>
 
-<file path=ppt/slides/slide12.xml><?xml version="1.0" encoding="utf-8"?>
+<file path=ppt/slides/slide13.xml><?xml version="1.0" encoding="utf-8"?>
 <p:sld xmlns:a="http://schemas.openxmlformats.org/drawingml/2006/main" xmlns:r="http://schemas.openxmlformats.org/officeDocument/2006/relationships" xmlns:p="http://schemas.openxmlformats.org/presentationml/2006/main">
   <p:cSld>
     <p:spTree>
@@ -4133,64 +4316,71 @@
             <p:ph type="title"/>
           </p:nvPr>
         </p:nvSpPr>
-        <p:spPr/>
-        <p:txBody>
-          <a:bodyPr/>
-          <a:lstStyle/>
-          <a:p>
-            <a:r>
-              <a:rPr lang="en-US" dirty="0"/>
-              <a:t>Historical context</a:t>
-            </a:r>
-          </a:p>
-        </p:txBody>
-      </p:sp>
-      <p:sp>
-        <p:nvSpPr>
-          <p:cNvPr id="3" name="Content Placeholder 2">
-            <a:extLst>
-              <a:ext uri="{FF2B5EF4-FFF2-40B4-BE49-F238E27FC236}">
-                <a16:creationId xmlns:a16="http://schemas.microsoft.com/office/drawing/2014/main" id="{0E319BFA-01DD-44ED-A179-A80BB89DEF6D}"/>
-              </a:ext>
-            </a:extLst>
-          </p:cNvPr>
-          <p:cNvSpPr>
-            <a:spLocks noGrp="1"/>
-          </p:cNvSpPr>
-          <p:nvPr>
-            <p:ph idx="1"/>
-          </p:nvPr>
-        </p:nvSpPr>
         <p:spPr>
           <a:xfrm>
-            <a:off x="408992" y="1825624"/>
-            <a:ext cx="10515600" cy="4351338"/>
+            <a:off x="408992" y="365125"/>
+            <a:ext cx="10944808" cy="1325563"/>
           </a:xfrm>
         </p:spPr>
         <p:txBody>
-          <a:bodyPr/>
-          <a:lstStyle/>
-          <a:p>
-            <a:r>
-              <a:rPr lang="en-US" sz="2400" dirty="0"/>
+          <a:bodyPr>
+            <a:normAutofit/>
+          </a:bodyPr>
+          <a:lstStyle/>
+          <a:p>
+            <a:r>
+              <a:rPr lang="en-US" sz="5400" dirty="0"/>
+              <a:t>Historical context</a:t>
+            </a:r>
+          </a:p>
+        </p:txBody>
+      </p:sp>
+      <p:sp>
+        <p:nvSpPr>
+          <p:cNvPr id="3" name="Content Placeholder 2">
+            <a:extLst>
+              <a:ext uri="{FF2B5EF4-FFF2-40B4-BE49-F238E27FC236}">
+                <a16:creationId xmlns:a16="http://schemas.microsoft.com/office/drawing/2014/main" id="{0E319BFA-01DD-44ED-A179-A80BB89DEF6D}"/>
+              </a:ext>
+            </a:extLst>
+          </p:cNvPr>
+          <p:cNvSpPr>
+            <a:spLocks noGrp="1"/>
+          </p:cNvSpPr>
+          <p:nvPr>
+            <p:ph idx="1"/>
+          </p:nvPr>
+        </p:nvSpPr>
+        <p:spPr>
+          <a:xfrm>
+            <a:off x="408992" y="1514475"/>
+            <a:ext cx="10515600" cy="4662487"/>
+          </a:xfrm>
+        </p:spPr>
+        <p:txBody>
+          <a:bodyPr/>
+          <a:lstStyle/>
+          <a:p>
+            <a:r>
+              <a:rPr lang="en-US" dirty="0"/>
               <a:t>440 BC – Greeks tattooed onto shaved head</a:t>
             </a:r>
           </a:p>
           <a:p>
             <a:r>
-              <a:rPr lang="en-US" sz="2400" dirty="0"/>
+              <a:rPr lang="en-US" dirty="0"/>
               <a:t>480 BC – Spartans wax tablets</a:t>
             </a:r>
           </a:p>
           <a:p>
             <a:r>
-              <a:rPr lang="en-US" sz="2400" dirty="0"/>
+              <a:rPr lang="en-US" dirty="0"/>
               <a:t>1776 – Revolutionary war invisible ink  </a:t>
             </a:r>
           </a:p>
           <a:p>
             <a:r>
-              <a:rPr lang="en-US" sz="2400" dirty="0"/>
+              <a:rPr lang="en-US" dirty="0"/>
               <a:t>1940s – WWII Microdots </a:t>
             </a:r>
           </a:p>
@@ -4261,8 +4451,8 @@
         </p:blipFill>
         <p:spPr>
           <a:xfrm>
-            <a:off x="7494040" y="3490843"/>
-            <a:ext cx="4505130" cy="3107757"/>
+            <a:off x="7352522" y="3443430"/>
+            <a:ext cx="4721292" cy="3256871"/>
           </a:xfrm>
           <a:prstGeom prst="rect">
             <a:avLst/>
@@ -4297,12 +4487,57 @@
         </p:blipFill>
         <p:spPr>
           <a:xfrm>
-            <a:off x="3886017" y="3769567"/>
+            <a:off x="991183" y="3845718"/>
             <a:ext cx="3561550" cy="2829033"/>
           </a:xfrm>
           <a:prstGeom prst="rect">
             <a:avLst/>
           </a:prstGeom>
+        </p:spPr>
+      </p:pic>
+      <p:pic>
+        <p:nvPicPr>
+          <p:cNvPr id="2050" name="Picture 2" descr="Image result for invisible ink candle">
+            <a:extLst>
+              <a:ext uri="{FF2B5EF4-FFF2-40B4-BE49-F238E27FC236}">
+                <a16:creationId xmlns:a16="http://schemas.microsoft.com/office/drawing/2014/main" id="{F8D32513-25CE-482D-8424-B52C80A5D295}"/>
+              </a:ext>
+            </a:extLst>
+          </p:cNvPr>
+          <p:cNvPicPr>
+            <a:picLocks noChangeAspect="1" noChangeArrowheads="1"/>
+          </p:cNvPicPr>
+          <p:nvPr/>
+        </p:nvPicPr>
+        <p:blipFill rotWithShape="1">
+          <a:blip r:embed="rId5">
+            <a:extLst>
+              <a:ext uri="{28A0092B-C50C-407E-A947-70E740481C1C}">
+                <a14:useLocalDpi xmlns:a14="http://schemas.microsoft.com/office/drawing/2010/main" val="0"/>
+              </a:ext>
+            </a:extLst>
+          </a:blip>
+          <a:srcRect l="27344" t="4420" r="31511" b="27816"/>
+          <a:stretch/>
+        </p:blipFill>
+        <p:spPr bwMode="auto">
+          <a:xfrm>
+            <a:off x="4428907" y="3443430"/>
+            <a:ext cx="2619009" cy="3240609"/>
+          </a:xfrm>
+          <a:prstGeom prst="rect">
+            <a:avLst/>
+          </a:prstGeom>
+          <a:noFill/>
+          <a:extLst>
+            <a:ext uri="{909E8E84-426E-40DD-AFC4-6F175D3DCCD1}">
+              <a14:hiddenFill xmlns:a14="http://schemas.microsoft.com/office/drawing/2010/main">
+                <a:solidFill>
+                  <a:srgbClr val="FFFFFF"/>
+                </a:solidFill>
+              </a14:hiddenFill>
+            </a:ext>
+          </a:extLst>
         </p:spPr>
       </p:pic>
     </p:spTree>
@@ -4861,7 +5096,7 @@
           <p:cNvPr id="2" name="Title 1">
             <a:extLst>
               <a:ext uri="{FF2B5EF4-FFF2-40B4-BE49-F238E27FC236}">
-                <a16:creationId xmlns:a16="http://schemas.microsoft.com/office/drawing/2014/main" id="{5BB14DAE-F668-4B03-80C5-1509C374856B}"/>
+                <a16:creationId xmlns:a16="http://schemas.microsoft.com/office/drawing/2014/main" id="{A50C8616-32EF-45C2-B8C7-AEA2E25A942A}"/>
               </a:ext>
             </a:extLst>
           </p:cNvPr>
@@ -4879,7 +5114,7 @@
           <a:p>
             <a:r>
               <a:rPr lang="en-US" dirty="0"/>
-              <a:t>Terms/notation</a:t>
+              <a:t>Digital Image Steganography</a:t>
             </a:r>
           </a:p>
         </p:txBody>
@@ -4889,7 +5124,7 @@
           <p:cNvPr id="3" name="Content Placeholder 2">
             <a:extLst>
               <a:ext uri="{FF2B5EF4-FFF2-40B4-BE49-F238E27FC236}">
-                <a16:creationId xmlns:a16="http://schemas.microsoft.com/office/drawing/2014/main" id="{229D3A98-7654-4CCC-90C7-6B8984A8162D}"/>
+                <a16:creationId xmlns:a16="http://schemas.microsoft.com/office/drawing/2014/main" id="{191374EF-F4FF-4DB6-A8C6-2AD79CB466CC}"/>
               </a:ext>
             </a:extLst>
           </p:cNvPr>
@@ -4906,41 +5141,33 @@
           <a:lstStyle/>
           <a:p>
             <a:r>
-              <a:rPr lang="en-US" dirty="0" err="1"/>
-              <a:t>Steganograms</a:t>
-            </a:r>
-            <a:r>
-              <a:rPr lang="en-US" dirty="0"/>
-              <a:t> – steganographic messages </a:t>
-            </a:r>
-          </a:p>
-          <a:p>
-            <a:r>
-              <a:rPr lang="en-US" dirty="0" err="1"/>
-              <a:t>Steganalysis</a:t>
-            </a:r>
-            <a:r>
-              <a:rPr lang="en-US" dirty="0"/>
-              <a:t> – searching for </a:t>
-            </a:r>
-            <a:r>
-              <a:rPr lang="en-US" dirty="0" err="1"/>
-              <a:t>steganograms</a:t>
+              <a:rPr lang="en-US" dirty="0"/>
+              <a:t>Information can be stored inside media files</a:t>
+            </a:r>
+          </a:p>
+          <a:p>
+            <a:r>
+              <a:rPr lang="en-US" dirty="0"/>
+              <a:t>Making small changes that will be indiscernible from the original</a:t>
+            </a:r>
+          </a:p>
+          <a:p>
+            <a:r>
+              <a:rPr lang="en-US" dirty="0"/>
+              <a:t>Common approach is to </a:t>
+            </a:r>
+            <a:r>
+              <a:rPr lang="en-US"/>
+              <a:t>use LSB </a:t>
             </a:r>
             <a:endParaRPr lang="en-US" dirty="0"/>
-          </a:p>
-          <a:p>
-            <a:r>
-              <a:rPr lang="en-US" dirty="0"/>
-              <a:t>Lossy and lossless</a:t>
-            </a:r>
           </a:p>
         </p:txBody>
       </p:sp>
     </p:spTree>
     <p:extLst>
       <p:ext uri="{BB962C8B-B14F-4D97-AF65-F5344CB8AC3E}">
-        <p14:creationId xmlns:p14="http://schemas.microsoft.com/office/powerpoint/2010/main" val="611404031"/>
+        <p14:creationId xmlns:p14="http://schemas.microsoft.com/office/powerpoint/2010/main" val="3925167741"/>
       </p:ext>
     </p:extLst>
   </p:cSld>
@@ -5011,7 +5238,12 @@
             <p:ph idx="1"/>
           </p:nvPr>
         </p:nvSpPr>
-        <p:spPr/>
+        <p:spPr>
+          <a:xfrm>
+            <a:off x="838200" y="1524000"/>
+            <a:ext cx="10515600" cy="4652963"/>
+          </a:xfrm>
+        </p:spPr>
         <p:txBody>
           <a:bodyPr/>
           <a:lstStyle/>
@@ -5067,7 +5299,7 @@
           <p:cNvPr id="2" name="Title 1">
             <a:extLst>
               <a:ext uri="{FF2B5EF4-FFF2-40B4-BE49-F238E27FC236}">
-                <a16:creationId xmlns:a16="http://schemas.microsoft.com/office/drawing/2014/main" id="{51189FC1-5D10-4818-98A8-A3E02C456A8D}"/>
+                <a16:creationId xmlns:a16="http://schemas.microsoft.com/office/drawing/2014/main" id="{5BB14DAE-F668-4B03-80C5-1509C374856B}"/>
               </a:ext>
             </a:extLst>
           </p:cNvPr>
@@ -5085,7 +5317,7 @@
           <a:p>
             <a:r>
               <a:rPr lang="en-US" dirty="0"/>
-              <a:t>Lossless Bitmap</a:t>
+              <a:t>Terms/notation</a:t>
             </a:r>
           </a:p>
         </p:txBody>
@@ -5095,7 +5327,7 @@
           <p:cNvPr id="3" name="Content Placeholder 2">
             <a:extLst>
               <a:ext uri="{FF2B5EF4-FFF2-40B4-BE49-F238E27FC236}">
-                <a16:creationId xmlns:a16="http://schemas.microsoft.com/office/drawing/2014/main" id="{8F0B26D8-9DE9-4D2A-8B4E-FD709BFB6B75}"/>
+                <a16:creationId xmlns:a16="http://schemas.microsoft.com/office/drawing/2014/main" id="{229D3A98-7654-4CCC-90C7-6B8984A8162D}"/>
               </a:ext>
             </a:extLst>
           </p:cNvPr>
@@ -5112,8 +5344,33 @@
           <a:lstStyle/>
           <a:p>
             <a:r>
-              <a:rPr lang="en-US" dirty="0"/>
-              <a:t>Each pixel has a color value stored for r, g, b</a:t>
+              <a:rPr lang="en-US" dirty="0" err="1"/>
+              <a:t>Steganograms</a:t>
+            </a:r>
+            <a:r>
+              <a:rPr lang="en-US" dirty="0"/>
+              <a:t> – steganographic messages </a:t>
+            </a:r>
+          </a:p>
+          <a:p>
+            <a:r>
+              <a:rPr lang="en-US" dirty="0" err="1"/>
+              <a:t>Steganalysis</a:t>
+            </a:r>
+            <a:r>
+              <a:rPr lang="en-US" dirty="0"/>
+              <a:t> – searching for </a:t>
+            </a:r>
+            <a:r>
+              <a:rPr lang="en-US" dirty="0" err="1"/>
+              <a:t>steganograms</a:t>
+            </a:r>
+            <a:endParaRPr lang="en-US" dirty="0"/>
+          </a:p>
+          <a:p>
+            <a:r>
+              <a:rPr lang="en-US" dirty="0"/>
+              <a:t>Lossy and lossless</a:t>
             </a:r>
           </a:p>
         </p:txBody>
@@ -5121,7 +5378,7 @@
     </p:spTree>
     <p:extLst>
       <p:ext uri="{BB962C8B-B14F-4D97-AF65-F5344CB8AC3E}">
-        <p14:creationId xmlns:p14="http://schemas.microsoft.com/office/powerpoint/2010/main" val="2939054782"/>
+        <p14:creationId xmlns:p14="http://schemas.microsoft.com/office/powerpoint/2010/main" val="611404031"/>
       </p:ext>
     </p:extLst>
   </p:cSld>
@@ -5153,7 +5410,7 @@
           <p:cNvPr id="2" name="Title 1">
             <a:extLst>
               <a:ext uri="{FF2B5EF4-FFF2-40B4-BE49-F238E27FC236}">
-                <a16:creationId xmlns:a16="http://schemas.microsoft.com/office/drawing/2014/main" id="{257DA0E4-92F2-46FF-8796-091B2FDE9AD1}"/>
+                <a16:creationId xmlns:a16="http://schemas.microsoft.com/office/drawing/2014/main" id="{51189FC1-5D10-4818-98A8-A3E02C456A8D}"/>
               </a:ext>
             </a:extLst>
           </p:cNvPr>
@@ -5171,7 +5428,7 @@
           <a:p>
             <a:r>
               <a:rPr lang="en-US" dirty="0"/>
-              <a:t>Discrete cosine transform</a:t>
+              <a:t>Lossless Bitmap</a:t>
             </a:r>
           </a:p>
         </p:txBody>
@@ -5181,7 +5438,7 @@
           <p:cNvPr id="3" name="Content Placeholder 2">
             <a:extLst>
               <a:ext uri="{FF2B5EF4-FFF2-40B4-BE49-F238E27FC236}">
-                <a16:creationId xmlns:a16="http://schemas.microsoft.com/office/drawing/2014/main" id="{DA0CFE40-8C04-4769-8246-4757CCD53D35}"/>
+                <a16:creationId xmlns:a16="http://schemas.microsoft.com/office/drawing/2014/main" id="{8F0B26D8-9DE9-4D2A-8B4E-FD709BFB6B75}"/>
               </a:ext>
             </a:extLst>
           </p:cNvPr>
@@ -5199,111 +5456,15 @@
           <a:p>
             <a:r>
               <a:rPr lang="en-US" dirty="0"/>
-              <a:t>Represents 8x8 block of pixels as</a:t>
-            </a:r>
-          </a:p>
-          <a:p>
-            <a:pPr marL="0" indent="0">
-              <a:buNone/>
-            </a:pPr>
-            <a:r>
-              <a:rPr lang="en-US" dirty="0"/>
-              <a:t>   weights of this chart</a:t>
-            </a:r>
-          </a:p>
-          <a:p>
-            <a:r>
-              <a:rPr lang="en-US" dirty="0"/>
-              <a:t>For example, a black “A” on white</a:t>
-            </a:r>
-          </a:p>
-          <a:p>
-            <a:pPr marL="0" indent="0">
-              <a:buNone/>
-            </a:pPr>
-            <a:r>
-              <a:rPr lang="en-US" dirty="0"/>
-              <a:t>   background</a:t>
-            </a:r>
-          </a:p>
-        </p:txBody>
-      </p:sp>
-      <p:pic>
-        <p:nvPicPr>
-          <p:cNvPr id="9" name="Picture 8" descr="A screen shot of a window&#10;&#10;Description automatically generated">
-            <a:extLst>
-              <a:ext uri="{FF2B5EF4-FFF2-40B4-BE49-F238E27FC236}">
-                <a16:creationId xmlns:a16="http://schemas.microsoft.com/office/drawing/2014/main" id="{5C0CA914-DFDD-40D0-B9ED-C5457201D0C7}"/>
-              </a:ext>
-            </a:extLst>
-          </p:cNvPr>
-          <p:cNvPicPr>
-            <a:picLocks noChangeAspect="1"/>
-          </p:cNvPicPr>
-          <p:nvPr/>
-        </p:nvPicPr>
-        <p:blipFill>
-          <a:blip r:embed="rId2">
-            <a:extLst>
-              <a:ext uri="{28A0092B-C50C-407E-A947-70E740481C1C}">
-                <a14:useLocalDpi xmlns:a14="http://schemas.microsoft.com/office/drawing/2010/main" val="0"/>
-              </a:ext>
-            </a:extLst>
-          </a:blip>
-          <a:stretch>
-            <a:fillRect/>
-          </a:stretch>
-        </p:blipFill>
-        <p:spPr>
-          <a:xfrm>
-            <a:off x="7109928" y="1775702"/>
-            <a:ext cx="4861120" cy="4861120"/>
-          </a:xfrm>
-          <a:prstGeom prst="rect">
-            <a:avLst/>
-          </a:prstGeom>
-        </p:spPr>
-      </p:pic>
-      <p:pic>
-        <p:nvPicPr>
-          <p:cNvPr id="13" name="Picture 12" descr="A close up of a logo&#10;&#10;Description automatically generated">
-            <a:extLst>
-              <a:ext uri="{FF2B5EF4-FFF2-40B4-BE49-F238E27FC236}">
-                <a16:creationId xmlns:a16="http://schemas.microsoft.com/office/drawing/2014/main" id="{17E61B60-7155-4D37-8377-BAC559FE8D61}"/>
-              </a:ext>
-            </a:extLst>
-          </p:cNvPr>
-          <p:cNvPicPr>
-            <a:picLocks noChangeAspect="1"/>
-          </p:cNvPicPr>
-          <p:nvPr/>
-        </p:nvPicPr>
-        <p:blipFill>
-          <a:blip r:embed="rId3">
-            <a:extLst>
-              <a:ext uri="{28A0092B-C50C-407E-A947-70E740481C1C}">
-                <a14:useLocalDpi xmlns:a14="http://schemas.microsoft.com/office/drawing/2010/main" val="0"/>
-              </a:ext>
-            </a:extLst>
-          </a:blip>
-          <a:stretch>
-            <a:fillRect/>
-          </a:stretch>
-        </p:blipFill>
-        <p:spPr>
-          <a:xfrm>
-            <a:off x="1234881" y="4859055"/>
-            <a:ext cx="4861119" cy="1633820"/>
-          </a:xfrm>
-          <a:prstGeom prst="rect">
-            <a:avLst/>
-          </a:prstGeom>
-        </p:spPr>
-      </p:pic>
+              <a:t>Each pixel has a color value stored for r, g, b</a:t>
+            </a:r>
+          </a:p>
+        </p:txBody>
+      </p:sp>
     </p:spTree>
     <p:extLst>
       <p:ext uri="{BB962C8B-B14F-4D97-AF65-F5344CB8AC3E}">
-        <p14:creationId xmlns:p14="http://schemas.microsoft.com/office/powerpoint/2010/main" val="3713360684"/>
+        <p14:creationId xmlns:p14="http://schemas.microsoft.com/office/powerpoint/2010/main" val="2939054782"/>
       </p:ext>
     </p:extLst>
   </p:cSld>

--- a/Documents/Presentation.pptx
+++ b/Documents/Presentation.pptx
@@ -3652,14 +3652,7 @@
           <a:p>
             <a:r>
               <a:rPr lang="en-US" dirty="0"/>
-              <a:t>The </a:t>
-            </a:r>
-            <a:r>
-              <a:rPr lang="en-US" b="1" dirty="0">
-                <a:latin typeface="GreekC" panose="00000400000000000000" pitchFamily="2" charset="0"/>
-                <a:cs typeface="GreekC" panose="00000400000000000000" pitchFamily="2" charset="0"/>
-              </a:rPr>
-              <a:t>c</a:t>
+              <a:t>The X</a:t>
             </a:r>
             <a:r>
               <a:rPr lang="en-US" baseline="30000" dirty="0"/>
@@ -5154,13 +5147,8 @@
           <a:p>
             <a:r>
               <a:rPr lang="en-US" dirty="0"/>
-              <a:t>Common approach is to </a:t>
-            </a:r>
-            <a:r>
-              <a:rPr lang="en-US"/>
-              <a:t>use LSB </a:t>
-            </a:r>
-            <a:endParaRPr lang="en-US" dirty="0"/>
+              <a:t>Common approach is to use LSB </a:t>
+            </a:r>
           </a:p>
         </p:txBody>
       </p:sp>

--- a/Documents/Presentation.pptx
+++ b/Documents/Presentation.pptx
@@ -5333,12 +5333,21 @@
           <a:p>
             <a:r>
               <a:rPr lang="en-US" dirty="0" err="1"/>
-              <a:t>Steganograms</a:t>
-            </a:r>
-            <a:r>
-              <a:rPr lang="en-US" dirty="0"/>
-              <a:t> – steganographic messages </a:t>
-            </a:r>
+              <a:t>Steganogram</a:t>
+            </a:r>
+            <a:r>
+              <a:rPr lang="en-US"/>
+              <a:t> </a:t>
+            </a:r>
+            <a:r>
+              <a:rPr lang="en-US" dirty="0"/>
+              <a:t>– </a:t>
+            </a:r>
+            <a:r>
+              <a:rPr lang="en-US"/>
+              <a:t>steganographic message</a:t>
+            </a:r>
+            <a:endParaRPr lang="en-US" dirty="0"/>
           </a:p>
           <a:p>
             <a:r>
